--- a/작업완료포트폴리오/9. 화면흐름도/[6기]1조_화면흐름도_V1.0.pptx
+++ b/작업완료포트폴리오/9. 화면흐름도/[6기]1조_화면흐름도_V1.0.pptx
@@ -206,7 +206,7 @@
           <a:p>
             <a:fld id="{4E9214C1-2863-45BA-A7C5-D5EA3C3D4C30}" type="datetimeFigureOut">
               <a:rPr lang="ko-KR" altLang="en-US" smtClean="0"/>
-              <a:t>2019-12-05</a:t>
+              <a:t>2019-12-06</a:t>
             </a:fld>
             <a:endParaRPr lang="ko-KR" altLang="en-US"/>
           </a:p>
@@ -371,7 +371,7 @@
           <a:p>
             <a:fld id="{8F563C85-90F6-445D-9B5B-8ABB00FB3043}" type="datetimeFigureOut">
               <a:rPr lang="ko-KR" altLang="en-US" smtClean="0"/>
-              <a:t>2019-12-05</a:t>
+              <a:t>2019-12-06</a:t>
             </a:fld>
             <a:endParaRPr lang="ko-KR" altLang="en-US"/>
           </a:p>
@@ -987,7 +987,7 @@
           <a:p>
             <a:fld id="{14ED09F3-42FA-4000-BA19-9FDED2BD3142}" type="datetimeFigureOut">
               <a:rPr lang="ko-KR" altLang="en-US" smtClean="0"/>
-              <a:t>2019-12-05</a:t>
+              <a:t>2019-12-06</a:t>
             </a:fld>
             <a:endParaRPr lang="ko-KR" altLang="en-US"/>
           </a:p>
@@ -1165,7 +1165,7 @@
           <a:p>
             <a:fld id="{14ED09F3-42FA-4000-BA19-9FDED2BD3142}" type="datetimeFigureOut">
               <a:rPr lang="ko-KR" altLang="en-US" smtClean="0"/>
-              <a:t>2019-12-05</a:t>
+              <a:t>2019-12-06</a:t>
             </a:fld>
             <a:endParaRPr lang="ko-KR" altLang="en-US"/>
           </a:p>
@@ -1343,7 +1343,7 @@
           <a:p>
             <a:fld id="{14ED09F3-42FA-4000-BA19-9FDED2BD3142}" type="datetimeFigureOut">
               <a:rPr lang="ko-KR" altLang="en-US" smtClean="0"/>
-              <a:t>2019-12-05</a:t>
+              <a:t>2019-12-06</a:t>
             </a:fld>
             <a:endParaRPr lang="ko-KR" altLang="en-US"/>
           </a:p>
@@ -1511,7 +1511,7 @@
           <a:p>
             <a:fld id="{14ED09F3-42FA-4000-BA19-9FDED2BD3142}" type="datetimeFigureOut">
               <a:rPr lang="ko-KR" altLang="en-US" smtClean="0"/>
-              <a:t>2019-12-05</a:t>
+              <a:t>2019-12-06</a:t>
             </a:fld>
             <a:endParaRPr lang="ko-KR" altLang="en-US"/>
           </a:p>
@@ -1756,7 +1756,7 @@
           <a:p>
             <a:fld id="{14ED09F3-42FA-4000-BA19-9FDED2BD3142}" type="datetimeFigureOut">
               <a:rPr lang="ko-KR" altLang="en-US" smtClean="0"/>
-              <a:t>2019-12-05</a:t>
+              <a:t>2019-12-06</a:t>
             </a:fld>
             <a:endParaRPr lang="ko-KR" altLang="en-US"/>
           </a:p>
@@ -1985,7 +1985,7 @@
           <a:p>
             <a:fld id="{14ED09F3-42FA-4000-BA19-9FDED2BD3142}" type="datetimeFigureOut">
               <a:rPr lang="ko-KR" altLang="en-US" smtClean="0"/>
-              <a:t>2019-12-05</a:t>
+              <a:t>2019-12-06</a:t>
             </a:fld>
             <a:endParaRPr lang="ko-KR" altLang="en-US"/>
           </a:p>
@@ -2349,7 +2349,7 @@
           <a:p>
             <a:fld id="{14ED09F3-42FA-4000-BA19-9FDED2BD3142}" type="datetimeFigureOut">
               <a:rPr lang="ko-KR" altLang="en-US" smtClean="0"/>
-              <a:t>2019-12-05</a:t>
+              <a:t>2019-12-06</a:t>
             </a:fld>
             <a:endParaRPr lang="ko-KR" altLang="en-US"/>
           </a:p>
@@ -2466,7 +2466,7 @@
           <a:p>
             <a:fld id="{14ED09F3-42FA-4000-BA19-9FDED2BD3142}" type="datetimeFigureOut">
               <a:rPr lang="ko-KR" altLang="en-US" smtClean="0"/>
-              <a:t>2019-12-05</a:t>
+              <a:t>2019-12-06</a:t>
             </a:fld>
             <a:endParaRPr lang="ko-KR" altLang="en-US"/>
           </a:p>
@@ -2561,7 +2561,7 @@
           <a:p>
             <a:fld id="{14ED09F3-42FA-4000-BA19-9FDED2BD3142}" type="datetimeFigureOut">
               <a:rPr lang="ko-KR" altLang="en-US" smtClean="0"/>
-              <a:t>2019-12-05</a:t>
+              <a:t>2019-12-06</a:t>
             </a:fld>
             <a:endParaRPr lang="ko-KR" altLang="en-US"/>
           </a:p>
@@ -2836,7 +2836,7 @@
           <a:p>
             <a:fld id="{14ED09F3-42FA-4000-BA19-9FDED2BD3142}" type="datetimeFigureOut">
               <a:rPr lang="ko-KR" altLang="en-US" smtClean="0"/>
-              <a:t>2019-12-05</a:t>
+              <a:t>2019-12-06</a:t>
             </a:fld>
             <a:endParaRPr lang="ko-KR" altLang="en-US"/>
           </a:p>
@@ -3088,7 +3088,7 @@
           <a:p>
             <a:fld id="{14ED09F3-42FA-4000-BA19-9FDED2BD3142}" type="datetimeFigureOut">
               <a:rPr lang="ko-KR" altLang="en-US" smtClean="0"/>
-              <a:t>2019-12-05</a:t>
+              <a:t>2019-12-06</a:t>
             </a:fld>
             <a:endParaRPr lang="ko-KR" altLang="en-US"/>
           </a:p>
@@ -3299,7 +3299,7 @@
           <a:p>
             <a:fld id="{14ED09F3-42FA-4000-BA19-9FDED2BD3142}" type="datetimeFigureOut">
               <a:rPr lang="ko-KR" altLang="en-US" smtClean="0"/>
-              <a:t>2019-12-05</a:t>
+              <a:t>2019-12-06</a:t>
             </a:fld>
             <a:endParaRPr lang="ko-KR" altLang="en-US"/>
           </a:p>
@@ -5481,8 +5481,8 @@
         </p:nvCxnSpPr>
         <p:spPr>
           <a:xfrm>
-            <a:off x="1540361" y="2196970"/>
-            <a:ext cx="635" cy="842220"/>
+            <a:off x="1204802" y="2193517"/>
+            <a:ext cx="0" cy="908252"/>
           </a:xfrm>
           <a:prstGeom prst="straightConnector1">
             <a:avLst/>
@@ -5609,7 +5609,7 @@
         </p:nvSpPr>
         <p:spPr>
           <a:xfrm>
-            <a:off x="1464795" y="2404615"/>
+            <a:off x="208275" y="2423768"/>
             <a:ext cx="1627505" cy="309059"/>
           </a:xfrm>
           <a:prstGeom prst="rect">
@@ -7668,7 +7668,7 @@
         </p:nvSpPr>
         <p:spPr>
           <a:xfrm>
-            <a:off x="1617195" y="2557015"/>
+            <a:off x="1756371" y="2402086"/>
             <a:ext cx="1627505" cy="309059"/>
           </a:xfrm>
           <a:prstGeom prst="rect">
@@ -7710,7 +7710,7 @@
                 <a:latin typeface="맑은 고딕" charset="0"/>
                 <a:ea typeface="맑은 고딕" charset="0"/>
               </a:rPr>
-              <a:t>회원가입</a:t>
+              <a:t>회원가입완료</a:t>
             </a:r>
             <a:r>
               <a:rPr lang="en-US" altLang="ko-KR" sz="1400" dirty="0">
@@ -8426,6 +8426,90 @@
           </a:p>
         </p:txBody>
       </p:sp>
+      <p:cxnSp>
+        <p:nvCxnSpPr>
+          <p:cNvPr id="9" name="직선 화살표 연결선 8">
+            <a:extLst>
+              <a:ext uri="{FF2B5EF4-FFF2-40B4-BE49-F238E27FC236}">
+                <a16:creationId xmlns:a16="http://schemas.microsoft.com/office/drawing/2014/main" id="{8EF1CE36-EE66-4E74-B557-2A270C237787}"/>
+              </a:ext>
+            </a:extLst>
+          </p:cNvPr>
+          <p:cNvCxnSpPr/>
+          <p:nvPr/>
+        </p:nvCxnSpPr>
+        <p:spPr>
+          <a:xfrm flipV="1">
+            <a:off x="1827391" y="2173941"/>
+            <a:ext cx="0" cy="920453"/>
+          </a:xfrm>
+          <a:prstGeom prst="straightConnector1">
+            <a:avLst/>
+          </a:prstGeom>
+          <a:ln>
+            <a:solidFill>
+              <a:schemeClr val="tx1"/>
+            </a:solidFill>
+            <a:tailEnd type="triangle"/>
+          </a:ln>
+        </p:spPr>
+        <p:style>
+          <a:lnRef idx="1">
+            <a:schemeClr val="accent1"/>
+          </a:lnRef>
+          <a:fillRef idx="0">
+            <a:schemeClr val="accent1"/>
+          </a:fillRef>
+          <a:effectRef idx="0">
+            <a:schemeClr val="accent1"/>
+          </a:effectRef>
+          <a:fontRef idx="minor">
+            <a:schemeClr val="tx1"/>
+          </a:fontRef>
+        </p:style>
+      </p:cxnSp>
+      <p:cxnSp>
+        <p:nvCxnSpPr>
+          <p:cNvPr id="14" name="직선 화살표 연결선 13">
+            <a:extLst>
+              <a:ext uri="{FF2B5EF4-FFF2-40B4-BE49-F238E27FC236}">
+                <a16:creationId xmlns:a16="http://schemas.microsoft.com/office/drawing/2014/main" id="{85074895-AFA8-4D0D-907C-487474AD5DE1}"/>
+              </a:ext>
+            </a:extLst>
+          </p:cNvPr>
+          <p:cNvCxnSpPr/>
+          <p:nvPr/>
+        </p:nvCxnSpPr>
+        <p:spPr>
+          <a:xfrm>
+            <a:off x="6646484" y="1666879"/>
+            <a:ext cx="3130645" cy="0"/>
+          </a:xfrm>
+          <a:prstGeom prst="straightConnector1">
+            <a:avLst/>
+          </a:prstGeom>
+          <a:ln>
+            <a:solidFill>
+              <a:schemeClr val="tx1"/>
+            </a:solidFill>
+            <a:tailEnd type="triangle"/>
+          </a:ln>
+        </p:spPr>
+        <p:style>
+          <a:lnRef idx="1">
+            <a:schemeClr val="accent1"/>
+          </a:lnRef>
+          <a:fillRef idx="0">
+            <a:schemeClr val="accent1"/>
+          </a:fillRef>
+          <a:effectRef idx="0">
+            <a:schemeClr val="accent1"/>
+          </a:effectRef>
+          <a:fontRef idx="minor">
+            <a:schemeClr val="tx1"/>
+          </a:fontRef>
+        </p:style>
+      </p:cxnSp>
     </p:spTree>
   </p:cSld>
   <p:clrMapOvr>
@@ -11275,359 +11359,6 @@
           </a:p>
         </p:txBody>
       </p:sp>
-      <p:sp>
-        <p:nvSpPr>
-          <p:cNvPr id="121" name="원호 120">
-            <a:extLst>
-              <a:ext uri="{FF2B5EF4-FFF2-40B4-BE49-F238E27FC236}">
-                <a16:creationId xmlns:a16="http://schemas.microsoft.com/office/drawing/2014/main" id="{E7CC2E44-C223-451E-AA8B-B80DBBE132D9}"/>
-              </a:ext>
-            </a:extLst>
-          </p:cNvPr>
-          <p:cNvSpPr/>
-          <p:nvPr/>
-        </p:nvSpPr>
-        <p:spPr>
-          <a:xfrm>
-            <a:off x="5837978" y="4233694"/>
-            <a:ext cx="522609" cy="671263"/>
-          </a:xfrm>
-          <a:prstGeom prst="arc">
-            <a:avLst>
-              <a:gd name="adj1" fmla="val 16200000"/>
-              <a:gd name="adj2" fmla="val 5086494"/>
-            </a:avLst>
-          </a:prstGeom>
-        </p:spPr>
-        <p:style>
-          <a:lnRef idx="1">
-            <a:schemeClr val="dk1"/>
-          </a:lnRef>
-          <a:fillRef idx="0">
-            <a:schemeClr val="dk1"/>
-          </a:fillRef>
-          <a:effectRef idx="0">
-            <a:schemeClr val="dk1"/>
-          </a:effectRef>
-          <a:fontRef idx="minor">
-            <a:schemeClr val="tx1"/>
-          </a:fontRef>
-        </p:style>
-        <p:txBody>
-          <a:bodyPr rtlCol="0" anchor="ctr"/>
-          <a:lstStyle/>
-          <a:p>
-            <a:pPr algn="ctr"/>
-            <a:endParaRPr lang="ko-KR" altLang="en-US" dirty="0">
-              <a:solidFill>
-                <a:sysClr val="windowText" lastClr="000000"/>
-              </a:solidFill>
-            </a:endParaRPr>
-          </a:p>
-        </p:txBody>
-      </p:sp>
-      <p:cxnSp>
-        <p:nvCxnSpPr>
-          <p:cNvPr id="137" name="직선 화살표 연결선 136">
-            <a:extLst>
-              <a:ext uri="{FF2B5EF4-FFF2-40B4-BE49-F238E27FC236}">
-                <a16:creationId xmlns:a16="http://schemas.microsoft.com/office/drawing/2014/main" id="{03CA8525-99CB-4067-91ED-79066711E769}"/>
-              </a:ext>
-            </a:extLst>
-          </p:cNvPr>
-          <p:cNvCxnSpPr>
-            <a:cxnSpLocks/>
-            <a:stCxn id="121" idx="0"/>
-            <a:endCxn id="93" idx="2"/>
-          </p:cNvCxnSpPr>
-          <p:nvPr/>
-        </p:nvCxnSpPr>
-        <p:spPr>
-          <a:xfrm flipH="1" flipV="1">
-            <a:off x="6095999" y="2643615"/>
-            <a:ext cx="3283" cy="1590079"/>
-          </a:xfrm>
-          <a:prstGeom prst="straightConnector1">
-            <a:avLst/>
-          </a:prstGeom>
-          <a:ln>
-            <a:tailEnd type="triangle"/>
-          </a:ln>
-        </p:spPr>
-        <p:style>
-          <a:lnRef idx="1">
-            <a:schemeClr val="dk1"/>
-          </a:lnRef>
-          <a:fillRef idx="0">
-            <a:schemeClr val="dk1"/>
-          </a:fillRef>
-          <a:effectRef idx="0">
-            <a:schemeClr val="dk1"/>
-          </a:effectRef>
-          <a:fontRef idx="minor">
-            <a:schemeClr val="tx1"/>
-          </a:fontRef>
-        </p:style>
-      </p:cxnSp>
-      <p:cxnSp>
-        <p:nvCxnSpPr>
-          <p:cNvPr id="142" name="직선 연결선 141">
-            <a:extLst>
-              <a:ext uri="{FF2B5EF4-FFF2-40B4-BE49-F238E27FC236}">
-                <a16:creationId xmlns:a16="http://schemas.microsoft.com/office/drawing/2014/main" id="{43DC5E83-F6DF-411D-B412-79C7C7EBFABF}"/>
-              </a:ext>
-            </a:extLst>
-          </p:cNvPr>
-          <p:cNvCxnSpPr>
-            <a:cxnSpLocks/>
-            <a:stCxn id="74" idx="2"/>
-          </p:cNvCxnSpPr>
-          <p:nvPr/>
-        </p:nvCxnSpPr>
-        <p:spPr>
-          <a:xfrm flipH="1">
-            <a:off x="1984216" y="6326449"/>
-            <a:ext cx="1" cy="437063"/>
-          </a:xfrm>
-          <a:prstGeom prst="line">
-            <a:avLst/>
-          </a:prstGeom>
-        </p:spPr>
-        <p:style>
-          <a:lnRef idx="1">
-            <a:schemeClr val="dk1"/>
-          </a:lnRef>
-          <a:fillRef idx="0">
-            <a:schemeClr val="dk1"/>
-          </a:fillRef>
-          <a:effectRef idx="0">
-            <a:schemeClr val="dk1"/>
-          </a:effectRef>
-          <a:fontRef idx="minor">
-            <a:schemeClr val="tx1"/>
-          </a:fontRef>
-        </p:style>
-      </p:cxnSp>
-      <p:cxnSp>
-        <p:nvCxnSpPr>
-          <p:cNvPr id="150" name="연결선: 꺾임 149">
-            <a:extLst>
-              <a:ext uri="{FF2B5EF4-FFF2-40B4-BE49-F238E27FC236}">
-                <a16:creationId xmlns:a16="http://schemas.microsoft.com/office/drawing/2014/main" id="{E074036F-53DE-47CC-902D-10763650F996}"/>
-              </a:ext>
-            </a:extLst>
-          </p:cNvPr>
-          <p:cNvCxnSpPr/>
-          <p:nvPr/>
-        </p:nvCxnSpPr>
-        <p:spPr>
-          <a:xfrm flipV="1">
-            <a:off x="1984216" y="6021966"/>
-            <a:ext cx="4145550" cy="741546"/>
-          </a:xfrm>
-          <a:prstGeom prst="bentConnector3">
-            <a:avLst>
-              <a:gd name="adj1" fmla="val 100028"/>
-            </a:avLst>
-          </a:prstGeom>
-          <a:ln>
-            <a:tailEnd type="triangle"/>
-          </a:ln>
-        </p:spPr>
-        <p:style>
-          <a:lnRef idx="1">
-            <a:schemeClr val="dk1"/>
-          </a:lnRef>
-          <a:fillRef idx="0">
-            <a:schemeClr val="dk1"/>
-          </a:fillRef>
-          <a:effectRef idx="0">
-            <a:schemeClr val="dk1"/>
-          </a:effectRef>
-          <a:fontRef idx="minor">
-            <a:schemeClr val="tx1"/>
-          </a:fontRef>
-        </p:style>
-      </p:cxnSp>
-      <p:cxnSp>
-        <p:nvCxnSpPr>
-          <p:cNvPr id="155" name="연결선: 꺾임 154">
-            <a:extLst>
-              <a:ext uri="{FF2B5EF4-FFF2-40B4-BE49-F238E27FC236}">
-                <a16:creationId xmlns:a16="http://schemas.microsoft.com/office/drawing/2014/main" id="{6677551E-A972-44BC-A581-F9E5E15522EE}"/>
-              </a:ext>
-            </a:extLst>
-          </p:cNvPr>
-          <p:cNvCxnSpPr>
-            <a:stCxn id="79" idx="3"/>
-            <a:endCxn id="121" idx="2"/>
-          </p:cNvCxnSpPr>
-          <p:nvPr/>
-        </p:nvCxnSpPr>
-        <p:spPr>
-          <a:xfrm flipV="1">
-            <a:off x="4429919" y="4902665"/>
-            <a:ext cx="1699847" cy="1130415"/>
-          </a:xfrm>
-          <a:prstGeom prst="bentConnector3">
-            <a:avLst>
-              <a:gd name="adj1" fmla="val 100057"/>
-            </a:avLst>
-          </a:prstGeom>
-          <a:ln>
-            <a:tailEnd type="triangle"/>
-          </a:ln>
-        </p:spPr>
-        <p:style>
-          <a:lnRef idx="1">
-            <a:schemeClr val="dk1"/>
-          </a:lnRef>
-          <a:fillRef idx="0">
-            <a:schemeClr val="dk1"/>
-          </a:fillRef>
-          <a:effectRef idx="0">
-            <a:schemeClr val="dk1"/>
-          </a:effectRef>
-          <a:fontRef idx="minor">
-            <a:schemeClr val="tx1"/>
-          </a:fontRef>
-        </p:style>
-      </p:cxnSp>
-      <p:sp>
-        <p:nvSpPr>
-          <p:cNvPr id="157" name="원호 156">
-            <a:extLst>
-              <a:ext uri="{FF2B5EF4-FFF2-40B4-BE49-F238E27FC236}">
-                <a16:creationId xmlns:a16="http://schemas.microsoft.com/office/drawing/2014/main" id="{048229F6-1D5A-44A7-8077-98DE7978F04B}"/>
-              </a:ext>
-            </a:extLst>
-          </p:cNvPr>
-          <p:cNvSpPr/>
-          <p:nvPr/>
-        </p:nvSpPr>
-        <p:spPr>
-          <a:xfrm rot="16481696">
-            <a:off x="3269008" y="4947884"/>
-            <a:ext cx="760838" cy="952397"/>
-          </a:xfrm>
-          <a:prstGeom prst="arc">
-            <a:avLst>
-              <a:gd name="adj1" fmla="val 16127400"/>
-              <a:gd name="adj2" fmla="val 5228986"/>
-            </a:avLst>
-          </a:prstGeom>
-        </p:spPr>
-        <p:style>
-          <a:lnRef idx="1">
-            <a:schemeClr val="dk1"/>
-          </a:lnRef>
-          <a:fillRef idx="0">
-            <a:schemeClr val="dk1"/>
-          </a:fillRef>
-          <a:effectRef idx="0">
-            <a:schemeClr val="dk1"/>
-          </a:effectRef>
-          <a:fontRef idx="minor">
-            <a:schemeClr val="tx1"/>
-          </a:fontRef>
-        </p:style>
-        <p:txBody>
-          <a:bodyPr rtlCol="0" anchor="ctr"/>
-          <a:lstStyle/>
-          <a:p>
-            <a:pPr algn="ctr"/>
-            <a:endParaRPr lang="ko-KR" altLang="en-US"/>
-          </a:p>
-        </p:txBody>
-      </p:sp>
-      <p:cxnSp>
-        <p:nvCxnSpPr>
-          <p:cNvPr id="161" name="연결선: 꺾임 160">
-            <a:extLst>
-              <a:ext uri="{FF2B5EF4-FFF2-40B4-BE49-F238E27FC236}">
-                <a16:creationId xmlns:a16="http://schemas.microsoft.com/office/drawing/2014/main" id="{E90D659F-4BB2-453B-8807-D73C2A07E874}"/>
-              </a:ext>
-            </a:extLst>
-          </p:cNvPr>
-          <p:cNvCxnSpPr>
-            <a:stCxn id="71" idx="2"/>
-          </p:cNvCxnSpPr>
-          <p:nvPr/>
-        </p:nvCxnSpPr>
-        <p:spPr>
-          <a:xfrm rot="16200000" flipH="1">
-            <a:off x="2706280" y="4916247"/>
-            <a:ext cx="595966" cy="339879"/>
-          </a:xfrm>
-          <a:prstGeom prst="bentConnector3">
-            <a:avLst>
-              <a:gd name="adj1" fmla="val 99013"/>
-            </a:avLst>
-          </a:prstGeom>
-          <a:ln>
-            <a:tailEnd type="triangle"/>
-          </a:ln>
-        </p:spPr>
-        <p:style>
-          <a:lnRef idx="1">
-            <a:schemeClr val="dk1"/>
-          </a:lnRef>
-          <a:fillRef idx="0">
-            <a:schemeClr val="dk1"/>
-          </a:fillRef>
-          <a:effectRef idx="0">
-            <a:schemeClr val="dk1"/>
-          </a:effectRef>
-          <a:fontRef idx="minor">
-            <a:schemeClr val="tx1"/>
-          </a:fontRef>
-        </p:style>
-      </p:cxnSp>
-      <p:cxnSp>
-        <p:nvCxnSpPr>
-          <p:cNvPr id="166" name="직선 화살표 연결선 165">
-            <a:extLst>
-              <a:ext uri="{FF2B5EF4-FFF2-40B4-BE49-F238E27FC236}">
-                <a16:creationId xmlns:a16="http://schemas.microsoft.com/office/drawing/2014/main" id="{8CBBEDD2-2050-42AC-9A5A-F8277DB15EDF}"/>
-              </a:ext>
-            </a:extLst>
-          </p:cNvPr>
-          <p:cNvCxnSpPr>
-            <a:cxnSpLocks/>
-            <a:stCxn id="157" idx="2"/>
-          </p:cNvCxnSpPr>
-          <p:nvPr/>
-        </p:nvCxnSpPr>
-        <p:spPr>
-          <a:xfrm flipV="1">
-            <a:off x="4125046" y="5424082"/>
-            <a:ext cx="2004720" cy="15318"/>
-          </a:xfrm>
-          <a:prstGeom prst="straightConnector1">
-            <a:avLst/>
-          </a:prstGeom>
-          <a:ln>
-            <a:solidFill>
-              <a:schemeClr val="tx1"/>
-            </a:solidFill>
-            <a:tailEnd type="triangle"/>
-          </a:ln>
-        </p:spPr>
-        <p:style>
-          <a:lnRef idx="1">
-            <a:schemeClr val="accent1"/>
-          </a:lnRef>
-          <a:fillRef idx="0">
-            <a:schemeClr val="accent1"/>
-          </a:fillRef>
-          <a:effectRef idx="0">
-            <a:schemeClr val="accent1"/>
-          </a:effectRef>
-          <a:fontRef idx="minor">
-            <a:schemeClr val="tx1"/>
-          </a:fontRef>
-        </p:style>
-      </p:cxnSp>
       <p:cxnSp>
         <p:nvCxnSpPr>
           <p:cNvPr id="169" name="직선 화살표 연결선 168">
@@ -11638,6 +11369,7 @@
             </a:extLst>
           </p:cNvPr>
           <p:cNvCxnSpPr>
+            <a:cxnSpLocks/>
             <a:stCxn id="51" idx="2"/>
           </p:cNvCxnSpPr>
           <p:nvPr/>
@@ -11645,50 +11377,9 @@
         <p:spPr>
           <a:xfrm>
             <a:off x="4547394" y="4803348"/>
-            <a:ext cx="6350" cy="620734"/>
+            <a:ext cx="6350" cy="460606"/>
           </a:xfrm>
           <a:prstGeom prst="straightConnector1">
-            <a:avLst/>
-          </a:prstGeom>
-          <a:ln>
-            <a:tailEnd type="triangle"/>
-          </a:ln>
-        </p:spPr>
-        <p:style>
-          <a:lnRef idx="1">
-            <a:schemeClr val="dk1"/>
-          </a:lnRef>
-          <a:fillRef idx="0">
-            <a:schemeClr val="dk1"/>
-          </a:fillRef>
-          <a:effectRef idx="0">
-            <a:schemeClr val="dk1"/>
-          </a:effectRef>
-          <a:fontRef idx="minor">
-            <a:schemeClr val="tx1"/>
-          </a:fontRef>
-        </p:style>
-      </p:cxnSp>
-      <p:cxnSp>
-        <p:nvCxnSpPr>
-          <p:cNvPr id="171" name="연결선: 꺾임 170">
-            <a:extLst>
-              <a:ext uri="{FF2B5EF4-FFF2-40B4-BE49-F238E27FC236}">
-                <a16:creationId xmlns:a16="http://schemas.microsoft.com/office/drawing/2014/main" id="{34BE2B7F-F975-4BED-A403-23E522E26341}"/>
-              </a:ext>
-            </a:extLst>
-          </p:cNvPr>
-          <p:cNvCxnSpPr>
-            <a:stCxn id="91" idx="2"/>
-          </p:cNvCxnSpPr>
-          <p:nvPr/>
-        </p:nvCxnSpPr>
-        <p:spPr>
-          <a:xfrm rot="5400000">
-            <a:off x="8327879" y="2640563"/>
-            <a:ext cx="585407" cy="4981631"/>
-          </a:xfrm>
-          <a:prstGeom prst="bentConnector2">
             <a:avLst/>
           </a:prstGeom>
           <a:ln>
@@ -11817,6 +11508,519 @@
           </a:fillRef>
           <a:effectRef idx="0">
             <a:schemeClr val="dk1"/>
+          </a:effectRef>
+          <a:fontRef idx="minor">
+            <a:schemeClr val="tx1"/>
+          </a:fontRef>
+        </p:style>
+      </p:cxnSp>
+      <p:cxnSp>
+        <p:nvCxnSpPr>
+          <p:cNvPr id="4" name="직선 화살표 연결선 3">
+            <a:extLst>
+              <a:ext uri="{FF2B5EF4-FFF2-40B4-BE49-F238E27FC236}">
+                <a16:creationId xmlns:a16="http://schemas.microsoft.com/office/drawing/2014/main" id="{EC0987AF-B99A-4723-BB65-9A11CF19CED1}"/>
+              </a:ext>
+            </a:extLst>
+          </p:cNvPr>
+          <p:cNvCxnSpPr>
+            <a:cxnSpLocks/>
+            <a:stCxn id="71" idx="2"/>
+            <a:endCxn id="5" idx="0"/>
+          </p:cNvCxnSpPr>
+          <p:nvPr/>
+        </p:nvCxnSpPr>
+        <p:spPr>
+          <a:xfrm>
+            <a:off x="2834324" y="4788204"/>
+            <a:ext cx="5555" cy="475750"/>
+          </a:xfrm>
+          <a:prstGeom prst="straightConnector1">
+            <a:avLst/>
+          </a:prstGeom>
+          <a:ln>
+            <a:solidFill>
+              <a:schemeClr val="tx1"/>
+            </a:solidFill>
+            <a:tailEnd type="triangle"/>
+          </a:ln>
+        </p:spPr>
+        <p:style>
+          <a:lnRef idx="1">
+            <a:schemeClr val="accent1"/>
+          </a:lnRef>
+          <a:fillRef idx="0">
+            <a:schemeClr val="accent1"/>
+          </a:fillRef>
+          <a:effectRef idx="0">
+            <a:schemeClr val="accent1"/>
+          </a:effectRef>
+          <a:fontRef idx="minor">
+            <a:schemeClr val="tx1"/>
+          </a:fontRef>
+        </p:style>
+      </p:cxnSp>
+      <p:sp>
+        <p:nvSpPr>
+          <p:cNvPr id="5" name="타원 4">
+            <a:extLst>
+              <a:ext uri="{FF2B5EF4-FFF2-40B4-BE49-F238E27FC236}">
+                <a16:creationId xmlns:a16="http://schemas.microsoft.com/office/drawing/2014/main" id="{BBAB9F4E-5BC2-4B8C-8950-925EF930CE4B}"/>
+              </a:ext>
+            </a:extLst>
+          </p:cNvPr>
+          <p:cNvSpPr/>
+          <p:nvPr/>
+        </p:nvSpPr>
+        <p:spPr>
+          <a:xfrm>
+            <a:off x="2675984" y="5263954"/>
+            <a:ext cx="327790" cy="290564"/>
+          </a:xfrm>
+          <a:prstGeom prst="ellipse">
+            <a:avLst/>
+          </a:prstGeom>
+        </p:spPr>
+        <p:style>
+          <a:lnRef idx="2">
+            <a:schemeClr val="accent1">
+              <a:shade val="50000"/>
+            </a:schemeClr>
+          </a:lnRef>
+          <a:fillRef idx="1">
+            <a:schemeClr val="accent1"/>
+          </a:fillRef>
+          <a:effectRef idx="0">
+            <a:schemeClr val="accent1"/>
+          </a:effectRef>
+          <a:fontRef idx="minor">
+            <a:schemeClr val="lt1"/>
+          </a:fontRef>
+        </p:style>
+        <p:txBody>
+          <a:bodyPr rtlCol="0" anchor="ctr"/>
+          <a:lstStyle/>
+          <a:p>
+            <a:pPr algn="ctr"/>
+            <a:r>
+              <a:rPr lang="en-US" altLang="ko-KR" dirty="0"/>
+              <a:t>1</a:t>
+            </a:r>
+          </a:p>
+        </p:txBody>
+      </p:sp>
+      <p:sp>
+        <p:nvSpPr>
+          <p:cNvPr id="61" name="타원 60">
+            <a:extLst>
+              <a:ext uri="{FF2B5EF4-FFF2-40B4-BE49-F238E27FC236}">
+                <a16:creationId xmlns:a16="http://schemas.microsoft.com/office/drawing/2014/main" id="{A8785FF8-A420-4A7B-BE27-EA61026135D9}"/>
+              </a:ext>
+            </a:extLst>
+          </p:cNvPr>
+          <p:cNvSpPr/>
+          <p:nvPr/>
+        </p:nvSpPr>
+        <p:spPr>
+          <a:xfrm>
+            <a:off x="4389849" y="5285148"/>
+            <a:ext cx="327790" cy="290564"/>
+          </a:xfrm>
+          <a:prstGeom prst="ellipse">
+            <a:avLst/>
+          </a:prstGeom>
+        </p:spPr>
+        <p:style>
+          <a:lnRef idx="2">
+            <a:schemeClr val="accent1">
+              <a:shade val="50000"/>
+            </a:schemeClr>
+          </a:lnRef>
+          <a:fillRef idx="1">
+            <a:schemeClr val="accent1"/>
+          </a:fillRef>
+          <a:effectRef idx="0">
+            <a:schemeClr val="accent1"/>
+          </a:effectRef>
+          <a:fontRef idx="minor">
+            <a:schemeClr val="lt1"/>
+          </a:fontRef>
+        </p:style>
+        <p:txBody>
+          <a:bodyPr rtlCol="0" anchor="ctr"/>
+          <a:lstStyle/>
+          <a:p>
+            <a:pPr algn="ctr"/>
+            <a:r>
+              <a:rPr lang="en-US" altLang="ko-KR" dirty="0"/>
+              <a:t>1</a:t>
+            </a:r>
+          </a:p>
+        </p:txBody>
+      </p:sp>
+      <p:sp>
+        <p:nvSpPr>
+          <p:cNvPr id="64" name="타원 63">
+            <a:extLst>
+              <a:ext uri="{FF2B5EF4-FFF2-40B4-BE49-F238E27FC236}">
+                <a16:creationId xmlns:a16="http://schemas.microsoft.com/office/drawing/2014/main" id="{A393FF36-3A9F-4851-ABFB-879B52F82D2C}"/>
+              </a:ext>
+            </a:extLst>
+          </p:cNvPr>
+          <p:cNvSpPr/>
+          <p:nvPr/>
+        </p:nvSpPr>
+        <p:spPr>
+          <a:xfrm>
+            <a:off x="8948379" y="5344948"/>
+            <a:ext cx="327790" cy="290564"/>
+          </a:xfrm>
+          <a:prstGeom prst="ellipse">
+            <a:avLst/>
+          </a:prstGeom>
+        </p:spPr>
+        <p:style>
+          <a:lnRef idx="2">
+            <a:schemeClr val="accent1">
+              <a:shade val="50000"/>
+            </a:schemeClr>
+          </a:lnRef>
+          <a:fillRef idx="1">
+            <a:schemeClr val="accent1"/>
+          </a:fillRef>
+          <a:effectRef idx="0">
+            <a:schemeClr val="accent1"/>
+          </a:effectRef>
+          <a:fontRef idx="minor">
+            <a:schemeClr val="lt1"/>
+          </a:fontRef>
+        </p:style>
+        <p:txBody>
+          <a:bodyPr rtlCol="0" anchor="ctr"/>
+          <a:lstStyle/>
+          <a:p>
+            <a:pPr algn="ctr"/>
+            <a:r>
+              <a:rPr lang="en-US" altLang="ko-KR" dirty="0"/>
+              <a:t>1</a:t>
+            </a:r>
+          </a:p>
+        </p:txBody>
+      </p:sp>
+      <p:sp>
+        <p:nvSpPr>
+          <p:cNvPr id="67" name="타원 66">
+            <a:extLst>
+              <a:ext uri="{FF2B5EF4-FFF2-40B4-BE49-F238E27FC236}">
+                <a16:creationId xmlns:a16="http://schemas.microsoft.com/office/drawing/2014/main" id="{4A0922D3-3195-46AB-BE3C-B1A22C365E7E}"/>
+              </a:ext>
+            </a:extLst>
+          </p:cNvPr>
+          <p:cNvSpPr/>
+          <p:nvPr/>
+        </p:nvSpPr>
+        <p:spPr>
+          <a:xfrm>
+            <a:off x="11006473" y="5317895"/>
+            <a:ext cx="327790" cy="290564"/>
+          </a:xfrm>
+          <a:prstGeom prst="ellipse">
+            <a:avLst/>
+          </a:prstGeom>
+        </p:spPr>
+        <p:style>
+          <a:lnRef idx="2">
+            <a:schemeClr val="accent1">
+              <a:shade val="50000"/>
+            </a:schemeClr>
+          </a:lnRef>
+          <a:fillRef idx="1">
+            <a:schemeClr val="accent1"/>
+          </a:fillRef>
+          <a:effectRef idx="0">
+            <a:schemeClr val="accent1"/>
+          </a:effectRef>
+          <a:fontRef idx="minor">
+            <a:schemeClr val="lt1"/>
+          </a:fontRef>
+        </p:style>
+        <p:txBody>
+          <a:bodyPr rtlCol="0" anchor="ctr"/>
+          <a:lstStyle/>
+          <a:p>
+            <a:pPr algn="ctr"/>
+            <a:r>
+              <a:rPr lang="en-US" altLang="ko-KR" dirty="0"/>
+              <a:t>1</a:t>
+            </a:r>
+          </a:p>
+        </p:txBody>
+      </p:sp>
+      <p:cxnSp>
+        <p:nvCxnSpPr>
+          <p:cNvPr id="69" name="직선 화살표 연결선 68">
+            <a:extLst>
+              <a:ext uri="{FF2B5EF4-FFF2-40B4-BE49-F238E27FC236}">
+                <a16:creationId xmlns:a16="http://schemas.microsoft.com/office/drawing/2014/main" id="{6DC829A7-90A4-49D2-B57A-52AD05D2A361}"/>
+              </a:ext>
+            </a:extLst>
+          </p:cNvPr>
+          <p:cNvCxnSpPr>
+            <a:cxnSpLocks/>
+          </p:cNvCxnSpPr>
+          <p:nvPr/>
+        </p:nvCxnSpPr>
+        <p:spPr>
+          <a:xfrm>
+            <a:off x="9112274" y="4857289"/>
+            <a:ext cx="6350" cy="460606"/>
+          </a:xfrm>
+          <a:prstGeom prst="straightConnector1">
+            <a:avLst/>
+          </a:prstGeom>
+          <a:ln>
+            <a:tailEnd type="triangle"/>
+          </a:ln>
+        </p:spPr>
+        <p:style>
+          <a:lnRef idx="1">
+            <a:schemeClr val="dk1"/>
+          </a:lnRef>
+          <a:fillRef idx="0">
+            <a:schemeClr val="dk1"/>
+          </a:fillRef>
+          <a:effectRef idx="0">
+            <a:schemeClr val="dk1"/>
+          </a:effectRef>
+          <a:fontRef idx="minor">
+            <a:schemeClr val="tx1"/>
+          </a:fontRef>
+        </p:style>
+      </p:cxnSp>
+      <p:cxnSp>
+        <p:nvCxnSpPr>
+          <p:cNvPr id="70" name="직선 화살표 연결선 69">
+            <a:extLst>
+              <a:ext uri="{FF2B5EF4-FFF2-40B4-BE49-F238E27FC236}">
+                <a16:creationId xmlns:a16="http://schemas.microsoft.com/office/drawing/2014/main" id="{474EDB48-2373-4CF1-B659-39C7D14E64C3}"/>
+              </a:ext>
+            </a:extLst>
+          </p:cNvPr>
+          <p:cNvCxnSpPr>
+            <a:cxnSpLocks/>
+          </p:cNvCxnSpPr>
+          <p:nvPr/>
+        </p:nvCxnSpPr>
+        <p:spPr>
+          <a:xfrm>
+            <a:off x="11174995" y="4857289"/>
+            <a:ext cx="6350" cy="460606"/>
+          </a:xfrm>
+          <a:prstGeom prst="straightConnector1">
+            <a:avLst/>
+          </a:prstGeom>
+          <a:ln>
+            <a:tailEnd type="triangle"/>
+          </a:ln>
+        </p:spPr>
+        <p:style>
+          <a:lnRef idx="1">
+            <a:schemeClr val="dk1"/>
+          </a:lnRef>
+          <a:fillRef idx="0">
+            <a:schemeClr val="dk1"/>
+          </a:fillRef>
+          <a:effectRef idx="0">
+            <a:schemeClr val="dk1"/>
+          </a:effectRef>
+          <a:fontRef idx="minor">
+            <a:schemeClr val="tx1"/>
+          </a:fontRef>
+        </p:style>
+      </p:cxnSp>
+      <p:sp>
+        <p:nvSpPr>
+          <p:cNvPr id="83" name="타원 82">
+            <a:extLst>
+              <a:ext uri="{FF2B5EF4-FFF2-40B4-BE49-F238E27FC236}">
+                <a16:creationId xmlns:a16="http://schemas.microsoft.com/office/drawing/2014/main" id="{9810D26C-1594-43B9-8A06-88C282D501C0}"/>
+              </a:ext>
+            </a:extLst>
+          </p:cNvPr>
+          <p:cNvSpPr/>
+          <p:nvPr/>
+        </p:nvSpPr>
+        <p:spPr>
+          <a:xfrm>
+            <a:off x="535356" y="6326109"/>
+            <a:ext cx="327790" cy="290564"/>
+          </a:xfrm>
+          <a:prstGeom prst="ellipse">
+            <a:avLst/>
+          </a:prstGeom>
+        </p:spPr>
+        <p:style>
+          <a:lnRef idx="2">
+            <a:schemeClr val="accent1">
+              <a:shade val="50000"/>
+            </a:schemeClr>
+          </a:lnRef>
+          <a:fillRef idx="1">
+            <a:schemeClr val="accent1"/>
+          </a:fillRef>
+          <a:effectRef idx="0">
+            <a:schemeClr val="accent1"/>
+          </a:effectRef>
+          <a:fontRef idx="minor">
+            <a:schemeClr val="lt1"/>
+          </a:fontRef>
+        </p:style>
+        <p:txBody>
+          <a:bodyPr rtlCol="0" anchor="ctr"/>
+          <a:lstStyle/>
+          <a:p>
+            <a:pPr algn="ctr"/>
+            <a:r>
+              <a:rPr lang="en-US" altLang="ko-KR" dirty="0"/>
+              <a:t>1</a:t>
+            </a:r>
+          </a:p>
+        </p:txBody>
+      </p:sp>
+      <p:sp>
+        <p:nvSpPr>
+          <p:cNvPr id="94" name="타원 93">
+            <a:extLst>
+              <a:ext uri="{FF2B5EF4-FFF2-40B4-BE49-F238E27FC236}">
+                <a16:creationId xmlns:a16="http://schemas.microsoft.com/office/drawing/2014/main" id="{3E65BB29-7B6B-4AED-8F15-3F690DB12204}"/>
+              </a:ext>
+            </a:extLst>
+          </p:cNvPr>
+          <p:cNvSpPr/>
+          <p:nvPr/>
+        </p:nvSpPr>
+        <p:spPr>
+          <a:xfrm>
+            <a:off x="4711163" y="6365690"/>
+            <a:ext cx="327790" cy="290564"/>
+          </a:xfrm>
+          <a:prstGeom prst="ellipse">
+            <a:avLst/>
+          </a:prstGeom>
+        </p:spPr>
+        <p:style>
+          <a:lnRef idx="2">
+            <a:schemeClr val="accent1">
+              <a:shade val="50000"/>
+            </a:schemeClr>
+          </a:lnRef>
+          <a:fillRef idx="1">
+            <a:schemeClr val="accent1"/>
+          </a:fillRef>
+          <a:effectRef idx="0">
+            <a:schemeClr val="accent1"/>
+          </a:effectRef>
+          <a:fontRef idx="minor">
+            <a:schemeClr val="lt1"/>
+          </a:fontRef>
+        </p:style>
+        <p:txBody>
+          <a:bodyPr rtlCol="0" anchor="ctr"/>
+          <a:lstStyle/>
+          <a:p>
+            <a:pPr algn="ctr"/>
+            <a:r>
+              <a:rPr lang="en-US" altLang="ko-KR" dirty="0"/>
+              <a:t>1</a:t>
+            </a:r>
+          </a:p>
+        </p:txBody>
+      </p:sp>
+      <p:cxnSp>
+        <p:nvCxnSpPr>
+          <p:cNvPr id="10" name="연결선: 꺾임 9">
+            <a:extLst>
+              <a:ext uri="{FF2B5EF4-FFF2-40B4-BE49-F238E27FC236}">
+                <a16:creationId xmlns:a16="http://schemas.microsoft.com/office/drawing/2014/main" id="{5FC8C46B-A699-4415-8387-DA9B990085DB}"/>
+              </a:ext>
+            </a:extLst>
+          </p:cNvPr>
+          <p:cNvCxnSpPr>
+            <a:cxnSpLocks/>
+            <a:stCxn id="79" idx="3"/>
+            <a:endCxn id="94" idx="0"/>
+          </p:cNvCxnSpPr>
+          <p:nvPr/>
+        </p:nvCxnSpPr>
+        <p:spPr>
+          <a:xfrm>
+            <a:off x="4429919" y="6033080"/>
+            <a:ext cx="445139" cy="332610"/>
+          </a:xfrm>
+          <a:prstGeom prst="bentConnector2">
+            <a:avLst/>
+          </a:prstGeom>
+          <a:ln>
+            <a:solidFill>
+              <a:schemeClr val="tx1"/>
+            </a:solidFill>
+            <a:tailEnd type="triangle"/>
+          </a:ln>
+        </p:spPr>
+        <p:style>
+          <a:lnRef idx="1">
+            <a:schemeClr val="accent1"/>
+          </a:lnRef>
+          <a:fillRef idx="0">
+            <a:schemeClr val="accent1"/>
+          </a:fillRef>
+          <a:effectRef idx="0">
+            <a:schemeClr val="accent1"/>
+          </a:effectRef>
+          <a:fontRef idx="minor">
+            <a:schemeClr val="tx1"/>
+          </a:fontRef>
+        </p:style>
+      </p:cxnSp>
+      <p:cxnSp>
+        <p:nvCxnSpPr>
+          <p:cNvPr id="17" name="연결선: 꺾임 16">
+            <a:extLst>
+              <a:ext uri="{FF2B5EF4-FFF2-40B4-BE49-F238E27FC236}">
+                <a16:creationId xmlns:a16="http://schemas.microsoft.com/office/drawing/2014/main" id="{D8490906-836B-4DEE-BF49-982ACB499FAF}"/>
+              </a:ext>
+            </a:extLst>
+          </p:cNvPr>
+          <p:cNvCxnSpPr>
+            <a:stCxn id="74" idx="1"/>
+            <a:endCxn id="83" idx="0"/>
+          </p:cNvCxnSpPr>
+          <p:nvPr/>
+        </p:nvCxnSpPr>
+        <p:spPr>
+          <a:xfrm rot="10800000" flipV="1">
+            <a:off x="699251" y="6021967"/>
+            <a:ext cx="546778" cy="304142"/>
+          </a:xfrm>
+          <a:prstGeom prst="bentConnector2">
+            <a:avLst/>
+          </a:prstGeom>
+          <a:ln>
+            <a:solidFill>
+              <a:schemeClr val="tx1"/>
+            </a:solidFill>
+            <a:tailEnd type="triangle"/>
+          </a:ln>
+        </p:spPr>
+        <p:style>
+          <a:lnRef idx="1">
+            <a:schemeClr val="accent1"/>
+          </a:lnRef>
+          <a:fillRef idx="0">
+            <a:schemeClr val="accent1"/>
+          </a:fillRef>
+          <a:effectRef idx="0">
+            <a:schemeClr val="accent1"/>
           </a:effectRef>
           <a:fontRef idx="minor">
             <a:schemeClr val="tx1"/>
@@ -12111,13 +12315,15 @@
       <p:cxnSp>
         <p:nvCxnSpPr>
           <p:cNvPr id="10" name="도형 7"/>
-          <p:cNvCxnSpPr/>
+          <p:cNvCxnSpPr>
+            <a:cxnSpLocks/>
+          </p:cNvCxnSpPr>
           <p:nvPr/>
         </p:nvCxnSpPr>
         <p:spPr>
           <a:xfrm>
-            <a:off x="2460913" y="2820348"/>
-            <a:ext cx="635" cy="429260"/>
+            <a:off x="2461548" y="2854004"/>
+            <a:ext cx="0" cy="395604"/>
           </a:xfrm>
           <a:prstGeom prst="straightConnector1">
             <a:avLst/>
@@ -12151,13 +12357,15 @@
       <p:cxnSp>
         <p:nvCxnSpPr>
           <p:cNvPr id="11" name="도형 8"/>
-          <p:cNvCxnSpPr/>
+          <p:cNvCxnSpPr>
+            <a:cxnSpLocks/>
+          </p:cNvCxnSpPr>
           <p:nvPr/>
         </p:nvCxnSpPr>
         <p:spPr>
-          <a:xfrm>
-            <a:off x="9733568" y="2825428"/>
-            <a:ext cx="635" cy="481330"/>
+          <a:xfrm flipH="1">
+            <a:off x="9734203" y="2854004"/>
+            <a:ext cx="7679" cy="452754"/>
           </a:xfrm>
           <a:prstGeom prst="straightConnector1">
             <a:avLst/>
@@ -12313,7 +12521,7 @@
           <a:lstStyle/>
           <a:p>
             <a:r>
-              <a:rPr sz="1400">
+              <a:rPr sz="1400" dirty="0">
                 <a:solidFill>
                   <a:schemeClr val="accent5">
                     <a:lumMod val="50000"/>
@@ -12339,7 +12547,7 @@
               <a:t>글쓰기</a:t>
             </a:r>
             <a:r>
-              <a:rPr sz="1400">
+              <a:rPr sz="1400" dirty="0">
                 <a:solidFill>
                   <a:schemeClr val="accent5">
                     <a:lumMod val="50000"/>
@@ -12351,517 +12559,7 @@
               </a:rPr>
               <a:t>]</a:t>
             </a:r>
-            <a:r>
-              <a:rPr lang="ko-KR" altLang="en-US" sz="1400" dirty="0">
-                <a:solidFill>
-                  <a:schemeClr val="accent5">
-                    <a:lumMod val="50000"/>
-                    <a:lumOff val="0"/>
-                  </a:schemeClr>
-                </a:solidFill>
-                <a:latin typeface="맑은 고딕" charset="0"/>
-                <a:ea typeface="맑은 고딕" charset="0"/>
-              </a:rPr>
-              <a:t>클릭</a:t>
-            </a:r>
-          </a:p>
-        </p:txBody>
-      </p:sp>
-      <p:sp>
-        <p:nvSpPr>
-          <p:cNvPr id="49" name="텍스트 상자 68"/>
-          <p:cNvSpPr txBox="1">
-            <a:spLocks/>
-          </p:cNvSpPr>
-          <p:nvPr/>
-        </p:nvSpPr>
-        <p:spPr>
-          <a:xfrm>
-            <a:off x="7239008" y="2482211"/>
-            <a:ext cx="2643206" cy="309059"/>
-          </a:xfrm>
-          <a:prstGeom prst="rect">
-            <a:avLst/>
-          </a:prstGeom>
-          <a:noFill/>
-          <a:ln w="0">
-            <a:noFill/>
-            <a:prstDash/>
-          </a:ln>
-        </p:spPr>
-        <p:txBody>
-          <a:bodyPr vert="horz" wrap="square" lIns="89535" tIns="46355" rIns="89535" bIns="46355" anchor="t">
-            <a:spAutoFit/>
-          </a:bodyPr>
-          <a:lstStyle/>
-          <a:p>
-            <a:r>
-              <a:rPr sz="1400">
-                <a:solidFill>
-                  <a:schemeClr val="accent5">
-                    <a:lumMod val="50000"/>
-                    <a:lumOff val="0"/>
-                  </a:schemeClr>
-                </a:solidFill>
-                <a:latin typeface="맑은 고딕" charset="0"/>
-                <a:ea typeface="맑은 고딕" charset="0"/>
-              </a:rPr>
-              <a:t>[</a:t>
-            </a:r>
-            <a:r>
-              <a:rPr lang="ko-KR" altLang="en-US" sz="1400" dirty="0">
-                <a:solidFill>
-                  <a:schemeClr val="accent5">
-                    <a:lumMod val="50000"/>
-                    <a:lumOff val="0"/>
-                  </a:schemeClr>
-                </a:solidFill>
-                <a:latin typeface="맑은 고딕" charset="0"/>
-                <a:ea typeface="맑은 고딕" charset="0"/>
-              </a:rPr>
-              <a:t>전체</a:t>
-            </a:r>
-            <a:r>
-              <a:rPr sz="1400">
-                <a:solidFill>
-                  <a:schemeClr val="accent5">
-                    <a:lumMod val="50000"/>
-                    <a:lumOff val="0"/>
-                  </a:schemeClr>
-                </a:solidFill>
-                <a:latin typeface="맑은 고딕" charset="0"/>
-                <a:ea typeface="맑은 고딕" charset="0"/>
-              </a:rPr>
-              <a:t>]</a:t>
-            </a:r>
-            <a:r>
-              <a:rPr lang="en-US" sz="1400" dirty="0">
-                <a:solidFill>
-                  <a:schemeClr val="accent5">
-                    <a:lumMod val="50000"/>
-                    <a:lumOff val="0"/>
-                  </a:schemeClr>
-                </a:solidFill>
-                <a:latin typeface="맑은 고딕" charset="0"/>
-                <a:ea typeface="맑은 고딕" charset="0"/>
-              </a:rPr>
-              <a:t>,[</a:t>
-            </a:r>
-            <a:r>
-              <a:rPr lang="ko-KR" altLang="en-US" sz="1400" dirty="0">
-                <a:solidFill>
-                  <a:schemeClr val="accent5">
-                    <a:lumMod val="50000"/>
-                    <a:lumOff val="0"/>
-                  </a:schemeClr>
-                </a:solidFill>
-                <a:latin typeface="맑은 고딕" charset="0"/>
-                <a:ea typeface="맑은 고딕" charset="0"/>
-              </a:rPr>
-              <a:t>부서</a:t>
-            </a:r>
-            <a:r>
-              <a:rPr lang="en-US" altLang="ko-KR" sz="1400" dirty="0">
-                <a:solidFill>
-                  <a:schemeClr val="accent5">
-                    <a:lumMod val="50000"/>
-                    <a:lumOff val="0"/>
-                  </a:schemeClr>
-                </a:solidFill>
-                <a:latin typeface="맑은 고딕" charset="0"/>
-                <a:ea typeface="맑은 고딕" charset="0"/>
-              </a:rPr>
-              <a:t>],[</a:t>
-            </a:r>
-            <a:r>
-              <a:rPr lang="ko-KR" altLang="en-US" sz="1400" dirty="0">
-                <a:solidFill>
-                  <a:schemeClr val="accent5">
-                    <a:lumMod val="50000"/>
-                    <a:lumOff val="0"/>
-                  </a:schemeClr>
-                </a:solidFill>
-                <a:latin typeface="맑은 고딕" charset="0"/>
-                <a:ea typeface="맑은 고딕" charset="0"/>
-              </a:rPr>
-              <a:t>취미</a:t>
-            </a:r>
-            <a:r>
-              <a:rPr lang="en-US" altLang="ko-KR" sz="1400" dirty="0">
-                <a:solidFill>
-                  <a:schemeClr val="accent5">
-                    <a:lumMod val="50000"/>
-                    <a:lumOff val="0"/>
-                  </a:schemeClr>
-                </a:solidFill>
-                <a:latin typeface="맑은 고딕" charset="0"/>
-                <a:ea typeface="맑은 고딕" charset="0"/>
-              </a:rPr>
-              <a:t>],[</a:t>
-            </a:r>
-            <a:r>
-              <a:rPr lang="ko-KR" altLang="en-US" sz="1400" dirty="0">
-                <a:solidFill>
-                  <a:schemeClr val="accent5">
-                    <a:lumMod val="50000"/>
-                    <a:lumOff val="0"/>
-                  </a:schemeClr>
-                </a:solidFill>
-                <a:latin typeface="맑은 고딕" charset="0"/>
-                <a:ea typeface="맑은 고딕" charset="0"/>
-              </a:rPr>
-              <a:t>자유</a:t>
-            </a:r>
-            <a:r>
-              <a:rPr lang="en-US" altLang="ko-KR" sz="1400" dirty="0">
-                <a:solidFill>
-                  <a:schemeClr val="accent5">
-                    <a:lumMod val="50000"/>
-                    <a:lumOff val="0"/>
-                  </a:schemeClr>
-                </a:solidFill>
-                <a:latin typeface="맑은 고딕" charset="0"/>
-                <a:ea typeface="맑은 고딕" charset="0"/>
-              </a:rPr>
-              <a:t>] </a:t>
-            </a:r>
-            <a:r>
-              <a:rPr lang="ko-KR" altLang="en-US" sz="1400" dirty="0">
-                <a:solidFill>
-                  <a:schemeClr val="accent5">
-                    <a:lumMod val="50000"/>
-                    <a:lumOff val="0"/>
-                  </a:schemeClr>
-                </a:solidFill>
-                <a:latin typeface="맑은 고딕" charset="0"/>
-                <a:ea typeface="맑은 고딕" charset="0"/>
-              </a:rPr>
-              <a:t>클릭</a:t>
-            </a:r>
-          </a:p>
-        </p:txBody>
-      </p:sp>
-      <p:sp>
-        <p:nvSpPr>
-          <p:cNvPr id="50" name="텍스트 상자 68"/>
-          <p:cNvSpPr txBox="1">
-            <a:spLocks/>
-          </p:cNvSpPr>
-          <p:nvPr/>
-        </p:nvSpPr>
-        <p:spPr>
-          <a:xfrm>
-            <a:off x="6096001" y="2982276"/>
-            <a:ext cx="1483995" cy="308610"/>
-          </a:xfrm>
-          <a:prstGeom prst="rect">
-            <a:avLst/>
-          </a:prstGeom>
-          <a:noFill/>
-          <a:ln w="0">
-            <a:noFill/>
-            <a:prstDash/>
-          </a:ln>
-        </p:spPr>
-        <p:txBody>
-          <a:bodyPr vert="horz" wrap="square" lIns="89535" tIns="46355" rIns="89535" bIns="46355" anchor="t">
-            <a:spAutoFit/>
-          </a:bodyPr>
-          <a:lstStyle/>
-          <a:p>
-            <a:r>
-              <a:rPr sz="1400">
-                <a:solidFill>
-                  <a:schemeClr val="accent5">
-                    <a:lumMod val="50000"/>
-                    <a:lumOff val="0"/>
-                  </a:schemeClr>
-                </a:solidFill>
-                <a:latin typeface="맑은 고딕" charset="0"/>
-                <a:ea typeface="맑은 고딕" charset="0"/>
-              </a:rPr>
-              <a:t>[</a:t>
-            </a:r>
-            <a:r>
-              <a:rPr lang="ko-KR" altLang="en-US" sz="1400" dirty="0" err="1">
-                <a:solidFill>
-                  <a:schemeClr val="accent5">
-                    <a:lumMod val="50000"/>
-                    <a:lumOff val="0"/>
-                  </a:schemeClr>
-                </a:solidFill>
-                <a:latin typeface="맑은 고딕" charset="0"/>
-                <a:ea typeface="맑은 고딕" charset="0"/>
-              </a:rPr>
-              <a:t>글제목</a:t>
-            </a:r>
-            <a:r>
-              <a:rPr sz="1400">
-                <a:solidFill>
-                  <a:schemeClr val="accent5">
-                    <a:lumMod val="50000"/>
-                    <a:lumOff val="0"/>
-                  </a:schemeClr>
-                </a:solidFill>
-                <a:latin typeface="맑은 고딕" charset="0"/>
-                <a:ea typeface="맑은 고딕" charset="0"/>
-              </a:rPr>
-              <a:t>]</a:t>
-            </a:r>
-            <a:r>
-              <a:rPr lang="en-US" sz="1400" dirty="0">
-                <a:solidFill>
-                  <a:schemeClr val="accent5">
-                    <a:lumMod val="50000"/>
-                    <a:lumOff val="0"/>
-                  </a:schemeClr>
-                </a:solidFill>
-                <a:latin typeface="맑은 고딕" charset="0"/>
-                <a:ea typeface="맑은 고딕" charset="0"/>
-              </a:rPr>
-              <a:t> </a:t>
-            </a:r>
-            <a:r>
-              <a:rPr lang="ko-KR" altLang="en-US" sz="1400" dirty="0">
-                <a:solidFill>
-                  <a:schemeClr val="accent5">
-                    <a:lumMod val="50000"/>
-                    <a:lumOff val="0"/>
-                  </a:schemeClr>
-                </a:solidFill>
-                <a:latin typeface="맑은 고딕" charset="0"/>
-                <a:ea typeface="맑은 고딕" charset="0"/>
-              </a:rPr>
-              <a:t>클릭</a:t>
-            </a:r>
-          </a:p>
-        </p:txBody>
-      </p:sp>
-      <p:sp>
-        <p:nvSpPr>
-          <p:cNvPr id="51" name="텍스트 상자 68"/>
-          <p:cNvSpPr txBox="1">
-            <a:spLocks/>
-          </p:cNvSpPr>
-          <p:nvPr/>
-        </p:nvSpPr>
-        <p:spPr>
-          <a:xfrm>
-            <a:off x="4595803" y="4053846"/>
-            <a:ext cx="1483995" cy="308610"/>
-          </a:xfrm>
-          <a:prstGeom prst="rect">
-            <a:avLst/>
-          </a:prstGeom>
-          <a:noFill/>
-          <a:ln w="0">
-            <a:noFill/>
-            <a:prstDash/>
-          </a:ln>
-        </p:spPr>
-        <p:txBody>
-          <a:bodyPr vert="horz" wrap="square" lIns="89535" tIns="46355" rIns="89535" bIns="46355" anchor="t">
-            <a:spAutoFit/>
-          </a:bodyPr>
-          <a:lstStyle/>
-          <a:p>
-            <a:r>
-              <a:rPr sz="1400">
-                <a:solidFill>
-                  <a:schemeClr val="accent5">
-                    <a:lumMod val="50000"/>
-                    <a:lumOff val="0"/>
-                  </a:schemeClr>
-                </a:solidFill>
-                <a:latin typeface="맑은 고딕" charset="0"/>
-                <a:ea typeface="맑은 고딕" charset="0"/>
-              </a:rPr>
-              <a:t>[</a:t>
-            </a:r>
-            <a:r>
-              <a:rPr lang="ko-KR" altLang="en-US" sz="1400" dirty="0">
-                <a:solidFill>
-                  <a:schemeClr val="accent5">
-                    <a:lumMod val="50000"/>
-                    <a:lumOff val="0"/>
-                  </a:schemeClr>
-                </a:solidFill>
-                <a:latin typeface="맑은 고딕" charset="0"/>
-                <a:ea typeface="맑은 고딕" charset="0"/>
-              </a:rPr>
-              <a:t>수정하기</a:t>
-            </a:r>
-            <a:r>
-              <a:rPr lang="en-US" altLang="ko-KR" sz="1400" dirty="0">
-                <a:solidFill>
-                  <a:schemeClr val="accent5">
-                    <a:lumMod val="50000"/>
-                    <a:lumOff val="0"/>
-                  </a:schemeClr>
-                </a:solidFill>
-                <a:latin typeface="맑은 고딕" charset="0"/>
-                <a:ea typeface="맑은 고딕" charset="0"/>
-              </a:rPr>
-              <a:t>]</a:t>
-            </a:r>
-            <a:r>
-              <a:rPr lang="en-US" sz="1400" dirty="0">
-                <a:solidFill>
-                  <a:schemeClr val="accent5">
-                    <a:lumMod val="50000"/>
-                    <a:lumOff val="0"/>
-                  </a:schemeClr>
-                </a:solidFill>
-                <a:latin typeface="맑은 고딕" charset="0"/>
-                <a:ea typeface="맑은 고딕" charset="0"/>
-              </a:rPr>
-              <a:t> </a:t>
-            </a:r>
-            <a:r>
-              <a:rPr lang="ko-KR" altLang="en-US" sz="1400" dirty="0">
-                <a:solidFill>
-                  <a:schemeClr val="accent5">
-                    <a:lumMod val="50000"/>
-                    <a:lumOff val="0"/>
-                  </a:schemeClr>
-                </a:solidFill>
-                <a:latin typeface="맑은 고딕" charset="0"/>
-                <a:ea typeface="맑은 고딕" charset="0"/>
-              </a:rPr>
-              <a:t>클릭</a:t>
-            </a:r>
-          </a:p>
-        </p:txBody>
-      </p:sp>
-      <p:cxnSp>
-        <p:nvCxnSpPr>
-          <p:cNvPr id="58" name="꺾인 연결선 57"/>
-          <p:cNvCxnSpPr/>
-          <p:nvPr/>
-        </p:nvCxnSpPr>
-        <p:spPr>
-          <a:xfrm flipV="1">
-            <a:off x="1881158" y="2143116"/>
-            <a:ext cx="3429024" cy="1124912"/>
-          </a:xfrm>
-          <a:prstGeom prst="bentConnector3">
-            <a:avLst>
-              <a:gd name="adj1" fmla="val 10635"/>
-            </a:avLst>
-          </a:prstGeom>
-          <a:ln>
-            <a:tailEnd type="arrow"/>
-          </a:ln>
-        </p:spPr>
-        <p:style>
-          <a:lnRef idx="1">
-            <a:schemeClr val="dk1"/>
-          </a:lnRef>
-          <a:fillRef idx="0">
-            <a:schemeClr val="dk1"/>
-          </a:fillRef>
-          <a:effectRef idx="0">
-            <a:schemeClr val="dk1"/>
-          </a:effectRef>
-          <a:fontRef idx="minor">
-            <a:schemeClr val="tx1"/>
-          </a:fontRef>
-        </p:style>
-      </p:cxnSp>
-      <p:sp>
-        <p:nvSpPr>
-          <p:cNvPr id="60" name="텍스트 상자 68"/>
-          <p:cNvSpPr txBox="1">
-            <a:spLocks/>
-          </p:cNvSpPr>
-          <p:nvPr/>
-        </p:nvSpPr>
-        <p:spPr>
-          <a:xfrm>
-            <a:off x="2754618" y="1643051"/>
-            <a:ext cx="1483995" cy="524503"/>
-          </a:xfrm>
-          <a:prstGeom prst="rect">
-            <a:avLst/>
-          </a:prstGeom>
-          <a:noFill/>
-          <a:ln w="0">
-            <a:noFill/>
-            <a:prstDash/>
-          </a:ln>
-        </p:spPr>
-        <p:txBody>
-          <a:bodyPr vert="horz" wrap="square" lIns="89535" tIns="46355" rIns="89535" bIns="46355" anchor="t">
-            <a:spAutoFit/>
-          </a:bodyPr>
-          <a:lstStyle/>
-          <a:p>
-            <a:r>
-              <a:rPr sz="1400">
-                <a:solidFill>
-                  <a:schemeClr val="accent5">
-                    <a:lumMod val="50000"/>
-                    <a:lumOff val="0"/>
-                  </a:schemeClr>
-                </a:solidFill>
-                <a:latin typeface="맑은 고딕" charset="0"/>
-                <a:ea typeface="맑은 고딕" charset="0"/>
-              </a:rPr>
-              <a:t>[</a:t>
-            </a:r>
-            <a:r>
-              <a:rPr lang="ko-KR" altLang="en-US" sz="1400" dirty="0">
-                <a:solidFill>
-                  <a:schemeClr val="accent5">
-                    <a:lumMod val="50000"/>
-                    <a:lumOff val="0"/>
-                  </a:schemeClr>
-                </a:solidFill>
-                <a:latin typeface="맑은 고딕" charset="0"/>
-                <a:ea typeface="맑은 고딕" charset="0"/>
-              </a:rPr>
-              <a:t>돌아가기</a:t>
-            </a:r>
-            <a:r>
-              <a:rPr sz="1400">
-                <a:solidFill>
-                  <a:schemeClr val="accent5">
-                    <a:lumMod val="50000"/>
-                    <a:lumOff val="0"/>
-                  </a:schemeClr>
-                </a:solidFill>
-                <a:latin typeface="맑은 고딕" charset="0"/>
-                <a:ea typeface="맑은 고딕" charset="0"/>
-              </a:rPr>
-              <a:t>]</a:t>
-            </a:r>
-            <a:r>
-              <a:rPr lang="en-US" sz="1400" dirty="0">
-                <a:solidFill>
-                  <a:schemeClr val="accent5">
-                    <a:lumMod val="50000"/>
-                    <a:lumOff val="0"/>
-                  </a:schemeClr>
-                </a:solidFill>
-                <a:latin typeface="맑은 고딕" charset="0"/>
-                <a:ea typeface="맑은 고딕" charset="0"/>
-              </a:rPr>
-              <a:t> </a:t>
-            </a:r>
-            <a:r>
-              <a:rPr lang="ko-KR" altLang="en-US" sz="1400" dirty="0">
-                <a:solidFill>
-                  <a:schemeClr val="accent5">
-                    <a:lumMod val="50000"/>
-                    <a:lumOff val="0"/>
-                  </a:schemeClr>
-                </a:solidFill>
-                <a:latin typeface="맑은 고딕" charset="0"/>
-                <a:ea typeface="맑은 고딕" charset="0"/>
-              </a:rPr>
-              <a:t>클릭</a:t>
-            </a:r>
-            <a:endParaRPr lang="en-US" sz="1400" dirty="0">
+            <a:endParaRPr lang="ko-KR" altLang="en-US" sz="1400" dirty="0">
               <a:solidFill>
                 <a:schemeClr val="accent5">
                   <a:lumMod val="50000"/>
@@ -12872,9 +12570,38 @@
               <a:ea typeface="맑은 고딕" charset="0"/>
             </a:endParaRPr>
           </a:p>
-          <a:p>
-            <a:r>
-              <a:rPr lang="en-US" altLang="ko-KR" sz="1400" dirty="0">
+        </p:txBody>
+      </p:sp>
+      <p:sp>
+        <p:nvSpPr>
+          <p:cNvPr id="49" name="텍스트 상자 68"/>
+          <p:cNvSpPr txBox="1">
+            <a:spLocks/>
+          </p:cNvSpPr>
+          <p:nvPr/>
+        </p:nvSpPr>
+        <p:spPr>
+          <a:xfrm>
+            <a:off x="7239008" y="2482211"/>
+            <a:ext cx="2643206" cy="309059"/>
+          </a:xfrm>
+          <a:prstGeom prst="rect">
+            <a:avLst/>
+          </a:prstGeom>
+          <a:noFill/>
+          <a:ln w="0">
+            <a:noFill/>
+            <a:prstDash/>
+          </a:ln>
+        </p:spPr>
+        <p:txBody>
+          <a:bodyPr vert="horz" wrap="square" lIns="89535" tIns="46355" rIns="89535" bIns="46355" anchor="t">
+            <a:spAutoFit/>
+          </a:bodyPr>
+          <a:lstStyle/>
+          <a:p>
+            <a:r>
+              <a:rPr sz="1400" dirty="0">
                 <a:solidFill>
                   <a:schemeClr val="accent5">
                     <a:lumMod val="50000"/>
@@ -12897,10 +12624,10 @@
                 <a:latin typeface="맑은 고딕" charset="0"/>
                 <a:ea typeface="맑은 고딕" charset="0"/>
               </a:rPr>
-              <a:t>작성하기</a:t>
-            </a:r>
-            <a:r>
-              <a:rPr lang="en-US" altLang="ko-KR" sz="1400" dirty="0">
+              <a:t>전체</a:t>
+            </a:r>
+            <a:r>
+              <a:rPr sz="1400" dirty="0">
                 <a:solidFill>
                   <a:schemeClr val="accent5">
                     <a:lumMod val="50000"/>
@@ -12910,10 +12637,10 @@
                 <a:latin typeface="맑은 고딕" charset="0"/>
                 <a:ea typeface="맑은 고딕" charset="0"/>
               </a:rPr>
-              <a:t>] </a:t>
-            </a:r>
-            <a:r>
-              <a:rPr lang="ko-KR" altLang="en-US" sz="1400" dirty="0">
+              <a:t>]</a:t>
+            </a:r>
+            <a:r>
+              <a:rPr lang="en-US" sz="1400" dirty="0">
                 <a:solidFill>
                   <a:schemeClr val="accent5">
                     <a:lumMod val="50000"/>
@@ -12923,8 +12650,392 @@
                 <a:latin typeface="맑은 고딕" charset="0"/>
                 <a:ea typeface="맑은 고딕" charset="0"/>
               </a:rPr>
-              <a:t>클릭</a:t>
-            </a:r>
+              <a:t>,[</a:t>
+            </a:r>
+            <a:r>
+              <a:rPr lang="ko-KR" altLang="en-US" sz="1400" dirty="0">
+                <a:solidFill>
+                  <a:schemeClr val="accent5">
+                    <a:lumMod val="50000"/>
+                    <a:lumOff val="0"/>
+                  </a:schemeClr>
+                </a:solidFill>
+                <a:latin typeface="맑은 고딕" charset="0"/>
+                <a:ea typeface="맑은 고딕" charset="0"/>
+              </a:rPr>
+              <a:t>부서</a:t>
+            </a:r>
+            <a:r>
+              <a:rPr lang="en-US" altLang="ko-KR" sz="1400" dirty="0">
+                <a:solidFill>
+                  <a:schemeClr val="accent5">
+                    <a:lumMod val="50000"/>
+                    <a:lumOff val="0"/>
+                  </a:schemeClr>
+                </a:solidFill>
+                <a:latin typeface="맑은 고딕" charset="0"/>
+                <a:ea typeface="맑은 고딕" charset="0"/>
+              </a:rPr>
+              <a:t>],[</a:t>
+            </a:r>
+            <a:r>
+              <a:rPr lang="ko-KR" altLang="en-US" sz="1400" dirty="0">
+                <a:solidFill>
+                  <a:schemeClr val="accent5">
+                    <a:lumMod val="50000"/>
+                    <a:lumOff val="0"/>
+                  </a:schemeClr>
+                </a:solidFill>
+                <a:latin typeface="맑은 고딕" charset="0"/>
+                <a:ea typeface="맑은 고딕" charset="0"/>
+              </a:rPr>
+              <a:t>취미</a:t>
+            </a:r>
+            <a:r>
+              <a:rPr lang="en-US" altLang="ko-KR" sz="1400" dirty="0">
+                <a:solidFill>
+                  <a:schemeClr val="accent5">
+                    <a:lumMod val="50000"/>
+                    <a:lumOff val="0"/>
+                  </a:schemeClr>
+                </a:solidFill>
+                <a:latin typeface="맑은 고딕" charset="0"/>
+                <a:ea typeface="맑은 고딕" charset="0"/>
+              </a:rPr>
+              <a:t>],[</a:t>
+            </a:r>
+            <a:r>
+              <a:rPr lang="ko-KR" altLang="en-US" sz="1400" dirty="0">
+                <a:solidFill>
+                  <a:schemeClr val="accent5">
+                    <a:lumMod val="50000"/>
+                    <a:lumOff val="0"/>
+                  </a:schemeClr>
+                </a:solidFill>
+                <a:latin typeface="맑은 고딕" charset="0"/>
+                <a:ea typeface="맑은 고딕" charset="0"/>
+              </a:rPr>
+              <a:t>자유</a:t>
+            </a:r>
+            <a:r>
+              <a:rPr lang="en-US" altLang="ko-KR" sz="1400" dirty="0">
+                <a:solidFill>
+                  <a:schemeClr val="accent5">
+                    <a:lumMod val="50000"/>
+                    <a:lumOff val="0"/>
+                  </a:schemeClr>
+                </a:solidFill>
+                <a:latin typeface="맑은 고딕" charset="0"/>
+                <a:ea typeface="맑은 고딕" charset="0"/>
+              </a:rPr>
+              <a:t>] </a:t>
+            </a:r>
+            <a:endParaRPr lang="ko-KR" altLang="en-US" sz="1400" dirty="0">
+              <a:solidFill>
+                <a:schemeClr val="accent5">
+                  <a:lumMod val="50000"/>
+                  <a:lumOff val="0"/>
+                </a:schemeClr>
+              </a:solidFill>
+              <a:latin typeface="맑은 고딕" charset="0"/>
+              <a:ea typeface="맑은 고딕" charset="0"/>
+            </a:endParaRPr>
+          </a:p>
+        </p:txBody>
+      </p:sp>
+      <p:sp>
+        <p:nvSpPr>
+          <p:cNvPr id="50" name="텍스트 상자 68"/>
+          <p:cNvSpPr txBox="1">
+            <a:spLocks/>
+          </p:cNvSpPr>
+          <p:nvPr/>
+        </p:nvSpPr>
+        <p:spPr>
+          <a:xfrm>
+            <a:off x="5962173" y="2969587"/>
+            <a:ext cx="1483995" cy="308610"/>
+          </a:xfrm>
+          <a:prstGeom prst="rect">
+            <a:avLst/>
+          </a:prstGeom>
+          <a:noFill/>
+          <a:ln w="0">
+            <a:noFill/>
+            <a:prstDash/>
+          </a:ln>
+        </p:spPr>
+        <p:txBody>
+          <a:bodyPr vert="horz" wrap="square" lIns="89535" tIns="46355" rIns="89535" bIns="46355" anchor="t">
+            <a:spAutoFit/>
+          </a:bodyPr>
+          <a:lstStyle/>
+          <a:p>
+            <a:r>
+              <a:rPr sz="1400" dirty="0">
+                <a:solidFill>
+                  <a:schemeClr val="accent5">
+                    <a:lumMod val="50000"/>
+                    <a:lumOff val="0"/>
+                  </a:schemeClr>
+                </a:solidFill>
+                <a:latin typeface="맑은 고딕" charset="0"/>
+                <a:ea typeface="맑은 고딕" charset="0"/>
+              </a:rPr>
+              <a:t>[</a:t>
+            </a:r>
+            <a:r>
+              <a:rPr lang="ko-KR" altLang="en-US" sz="1400" dirty="0" err="1">
+                <a:solidFill>
+                  <a:schemeClr val="accent5">
+                    <a:lumMod val="50000"/>
+                    <a:lumOff val="0"/>
+                  </a:schemeClr>
+                </a:solidFill>
+                <a:latin typeface="맑은 고딕" charset="0"/>
+                <a:ea typeface="맑은 고딕" charset="0"/>
+              </a:rPr>
+              <a:t>글제목</a:t>
+            </a:r>
+            <a:r>
+              <a:rPr sz="1400" dirty="0">
+                <a:solidFill>
+                  <a:schemeClr val="accent5">
+                    <a:lumMod val="50000"/>
+                    <a:lumOff val="0"/>
+                  </a:schemeClr>
+                </a:solidFill>
+                <a:latin typeface="맑은 고딕" charset="0"/>
+                <a:ea typeface="맑은 고딕" charset="0"/>
+              </a:rPr>
+              <a:t>]</a:t>
+            </a:r>
+            <a:endParaRPr lang="ko-KR" altLang="en-US" sz="1400" dirty="0">
+              <a:solidFill>
+                <a:schemeClr val="accent5">
+                  <a:lumMod val="50000"/>
+                  <a:lumOff val="0"/>
+                </a:schemeClr>
+              </a:solidFill>
+              <a:latin typeface="맑은 고딕" charset="0"/>
+              <a:ea typeface="맑은 고딕" charset="0"/>
+            </a:endParaRPr>
+          </a:p>
+        </p:txBody>
+      </p:sp>
+      <p:sp>
+        <p:nvSpPr>
+          <p:cNvPr id="51" name="텍스트 상자 68"/>
+          <p:cNvSpPr txBox="1">
+            <a:spLocks/>
+          </p:cNvSpPr>
+          <p:nvPr/>
+        </p:nvSpPr>
+        <p:spPr>
+          <a:xfrm>
+            <a:off x="4595803" y="4053846"/>
+            <a:ext cx="1483995" cy="524503"/>
+          </a:xfrm>
+          <a:prstGeom prst="rect">
+            <a:avLst/>
+          </a:prstGeom>
+          <a:noFill/>
+          <a:ln w="0">
+            <a:noFill/>
+            <a:prstDash/>
+          </a:ln>
+        </p:spPr>
+        <p:txBody>
+          <a:bodyPr vert="horz" wrap="square" lIns="89535" tIns="46355" rIns="89535" bIns="46355" anchor="t">
+            <a:spAutoFit/>
+          </a:bodyPr>
+          <a:lstStyle/>
+          <a:p>
+            <a:r>
+              <a:rPr sz="1400" dirty="0">
+                <a:solidFill>
+                  <a:schemeClr val="accent5">
+                    <a:lumMod val="50000"/>
+                    <a:lumOff val="0"/>
+                  </a:schemeClr>
+                </a:solidFill>
+                <a:latin typeface="맑은 고딕" charset="0"/>
+                <a:ea typeface="맑은 고딕" charset="0"/>
+              </a:rPr>
+              <a:t>[</a:t>
+            </a:r>
+            <a:r>
+              <a:rPr lang="ko-KR" altLang="en-US" sz="1400" dirty="0">
+                <a:solidFill>
+                  <a:schemeClr val="accent5">
+                    <a:lumMod val="50000"/>
+                    <a:lumOff val="0"/>
+                  </a:schemeClr>
+                </a:solidFill>
+                <a:latin typeface="맑은 고딕" charset="0"/>
+                <a:ea typeface="맑은 고딕" charset="0"/>
+              </a:rPr>
+              <a:t>수정하기</a:t>
+            </a:r>
+            <a:r>
+              <a:rPr lang="en-US" altLang="ko-KR" sz="1400" dirty="0">
+                <a:solidFill>
+                  <a:schemeClr val="accent5">
+                    <a:lumMod val="50000"/>
+                    <a:lumOff val="0"/>
+                  </a:schemeClr>
+                </a:solidFill>
+                <a:latin typeface="맑은 고딕" charset="0"/>
+                <a:ea typeface="맑은 고딕" charset="0"/>
+              </a:rPr>
+              <a:t>]</a:t>
+            </a:r>
+          </a:p>
+          <a:p>
+            <a:endParaRPr lang="ko-KR" altLang="en-US" sz="1400" dirty="0">
+              <a:solidFill>
+                <a:schemeClr val="accent5">
+                  <a:lumMod val="50000"/>
+                  <a:lumOff val="0"/>
+                </a:schemeClr>
+              </a:solidFill>
+              <a:latin typeface="맑은 고딕" charset="0"/>
+              <a:ea typeface="맑은 고딕" charset="0"/>
+            </a:endParaRPr>
+          </a:p>
+        </p:txBody>
+      </p:sp>
+      <p:sp>
+        <p:nvSpPr>
+          <p:cNvPr id="60" name="텍스트 상자 68"/>
+          <p:cNvSpPr txBox="1">
+            <a:spLocks/>
+          </p:cNvSpPr>
+          <p:nvPr/>
+        </p:nvSpPr>
+        <p:spPr>
+          <a:xfrm>
+            <a:off x="2754618" y="1643051"/>
+            <a:ext cx="1483995" cy="524503"/>
+          </a:xfrm>
+          <a:prstGeom prst="rect">
+            <a:avLst/>
+          </a:prstGeom>
+          <a:noFill/>
+          <a:ln w="0">
+            <a:noFill/>
+            <a:prstDash/>
+          </a:ln>
+        </p:spPr>
+        <p:txBody>
+          <a:bodyPr vert="horz" wrap="square" lIns="89535" tIns="46355" rIns="89535" bIns="46355" anchor="t">
+            <a:spAutoFit/>
+          </a:bodyPr>
+          <a:lstStyle/>
+          <a:p>
+            <a:r>
+              <a:rPr sz="1400" dirty="0">
+                <a:solidFill>
+                  <a:schemeClr val="accent5">
+                    <a:lumMod val="50000"/>
+                    <a:lumOff val="0"/>
+                  </a:schemeClr>
+                </a:solidFill>
+                <a:latin typeface="맑은 고딕" charset="0"/>
+                <a:ea typeface="맑은 고딕" charset="0"/>
+              </a:rPr>
+              <a:t>[</a:t>
+            </a:r>
+            <a:r>
+              <a:rPr lang="ko-KR" altLang="en-US" sz="1400" dirty="0">
+                <a:solidFill>
+                  <a:schemeClr val="accent5">
+                    <a:lumMod val="50000"/>
+                    <a:lumOff val="0"/>
+                  </a:schemeClr>
+                </a:solidFill>
+                <a:latin typeface="맑은 고딕" charset="0"/>
+                <a:ea typeface="맑은 고딕" charset="0"/>
+              </a:rPr>
+              <a:t>돌아가기</a:t>
+            </a:r>
+            <a:r>
+              <a:rPr sz="1400" dirty="0">
+                <a:solidFill>
+                  <a:schemeClr val="accent5">
+                    <a:lumMod val="50000"/>
+                    <a:lumOff val="0"/>
+                  </a:schemeClr>
+                </a:solidFill>
+                <a:latin typeface="맑은 고딕" charset="0"/>
+                <a:ea typeface="맑은 고딕" charset="0"/>
+              </a:rPr>
+              <a:t>]</a:t>
+            </a:r>
+            <a:r>
+              <a:rPr lang="en-US" sz="1400" dirty="0">
+                <a:solidFill>
+                  <a:schemeClr val="accent5">
+                    <a:lumMod val="50000"/>
+                    <a:lumOff val="0"/>
+                  </a:schemeClr>
+                </a:solidFill>
+                <a:latin typeface="맑은 고딕" charset="0"/>
+                <a:ea typeface="맑은 고딕" charset="0"/>
+              </a:rPr>
+              <a:t> </a:t>
+            </a:r>
+          </a:p>
+          <a:p>
+            <a:r>
+              <a:rPr lang="en-US" altLang="ko-KR" sz="1400" dirty="0">
+                <a:solidFill>
+                  <a:schemeClr val="accent5">
+                    <a:lumMod val="50000"/>
+                    <a:lumOff val="0"/>
+                  </a:schemeClr>
+                </a:solidFill>
+                <a:latin typeface="맑은 고딕" charset="0"/>
+                <a:ea typeface="맑은 고딕" charset="0"/>
+              </a:rPr>
+              <a:t>[</a:t>
+            </a:r>
+            <a:r>
+              <a:rPr lang="ko-KR" altLang="en-US" sz="1400" dirty="0">
+                <a:solidFill>
+                  <a:schemeClr val="accent5">
+                    <a:lumMod val="50000"/>
+                    <a:lumOff val="0"/>
+                  </a:schemeClr>
+                </a:solidFill>
+                <a:latin typeface="맑은 고딕" charset="0"/>
+                <a:ea typeface="맑은 고딕" charset="0"/>
+              </a:rPr>
+              <a:t>작성하기</a:t>
+            </a:r>
+            <a:r>
+              <a:rPr lang="en-US" altLang="ko-KR" sz="1400" dirty="0">
+                <a:solidFill>
+                  <a:schemeClr val="accent5">
+                    <a:lumMod val="50000"/>
+                    <a:lumOff val="0"/>
+                  </a:schemeClr>
+                </a:solidFill>
+                <a:latin typeface="맑은 고딕" charset="0"/>
+                <a:ea typeface="맑은 고딕" charset="0"/>
+              </a:rPr>
+              <a:t>] </a:t>
+            </a:r>
+            <a:endParaRPr lang="ko-KR" altLang="en-US" sz="1400" dirty="0">
+              <a:solidFill>
+                <a:schemeClr val="accent5">
+                  <a:lumMod val="50000"/>
+                  <a:lumOff val="0"/>
+                </a:schemeClr>
+              </a:solidFill>
+              <a:latin typeface="맑은 고딕" charset="0"/>
+              <a:ea typeface="맑은 고딕" charset="0"/>
+            </a:endParaRPr>
           </a:p>
         </p:txBody>
       </p:sp>
@@ -12968,44 +13079,6 @@
           </a:fontRef>
         </p:style>
       </p:cxnSp>
-      <p:cxnSp>
-        <p:nvCxnSpPr>
-          <p:cNvPr id="66" name="꺾인 연결선 65"/>
-          <p:cNvCxnSpPr>
-            <a:stCxn id="45" idx="3"/>
-            <a:endCxn id="5" idx="3"/>
-          </p:cNvCxnSpPr>
-          <p:nvPr/>
-        </p:nvCxnSpPr>
-        <p:spPr>
-          <a:xfrm flipH="1" flipV="1">
-            <a:off x="6775102" y="3678551"/>
-            <a:ext cx="35278" cy="1465596"/>
-          </a:xfrm>
-          <a:prstGeom prst="bentConnector3">
-            <a:avLst>
-              <a:gd name="adj1" fmla="val -647996"/>
-            </a:avLst>
-          </a:prstGeom>
-          <a:ln>
-            <a:tailEnd type="arrow"/>
-          </a:ln>
-        </p:spPr>
-        <p:style>
-          <a:lnRef idx="1">
-            <a:schemeClr val="dk1"/>
-          </a:lnRef>
-          <a:fillRef idx="0">
-            <a:schemeClr val="dk1"/>
-          </a:fillRef>
-          <a:effectRef idx="0">
-            <a:schemeClr val="dk1"/>
-          </a:effectRef>
-          <a:fontRef idx="minor">
-            <a:schemeClr val="tx1"/>
-          </a:fontRef>
-        </p:style>
-      </p:cxnSp>
       <p:sp>
         <p:nvSpPr>
           <p:cNvPr id="67" name="텍스트 상자 68"/>
@@ -13016,7 +13089,7 @@
         </p:nvSpPr>
         <p:spPr>
           <a:xfrm>
-            <a:off x="7024695" y="4339598"/>
+            <a:off x="6942588" y="4257525"/>
             <a:ext cx="1483995" cy="308610"/>
           </a:xfrm>
           <a:prstGeom prst="rect">
@@ -13035,7 +13108,7 @@
           <a:lstStyle/>
           <a:p>
             <a:r>
-              <a:rPr sz="1400">
+              <a:rPr sz="1400" dirty="0">
                 <a:solidFill>
                   <a:schemeClr val="accent5">
                     <a:lumMod val="50000"/>
@@ -13061,7 +13134,7 @@
               <a:t>돌아가기</a:t>
             </a:r>
             <a:r>
-              <a:rPr sz="1400">
+              <a:rPr sz="1400" dirty="0">
                 <a:solidFill>
                   <a:schemeClr val="accent5">
                     <a:lumMod val="50000"/>
@@ -13072,102 +13145,6 @@
                 <a:ea typeface="맑은 고딕" charset="0"/>
               </a:rPr>
               <a:t>]</a:t>
-            </a:r>
-            <a:r>
-              <a:rPr lang="en-US" sz="1400" dirty="0">
-                <a:solidFill>
-                  <a:schemeClr val="accent5">
-                    <a:lumMod val="50000"/>
-                    <a:lumOff val="0"/>
-                  </a:schemeClr>
-                </a:solidFill>
-                <a:latin typeface="맑은 고딕" charset="0"/>
-                <a:ea typeface="맑은 고딕" charset="0"/>
-              </a:rPr>
-              <a:t> </a:t>
-            </a:r>
-            <a:r>
-              <a:rPr lang="ko-KR" altLang="en-US" sz="1400" dirty="0">
-                <a:solidFill>
-                  <a:schemeClr val="accent5">
-                    <a:lumMod val="50000"/>
-                    <a:lumOff val="0"/>
-                  </a:schemeClr>
-                </a:solidFill>
-                <a:latin typeface="맑은 고딕" charset="0"/>
-                <a:ea typeface="맑은 고딕" charset="0"/>
-              </a:rPr>
-              <a:t>클릭</a:t>
-            </a:r>
-          </a:p>
-        </p:txBody>
-      </p:sp>
-      <p:sp>
-        <p:nvSpPr>
-          <p:cNvPr id="68" name="텍스트 상자 68"/>
-          <p:cNvSpPr txBox="1">
-            <a:spLocks/>
-          </p:cNvSpPr>
-          <p:nvPr/>
-        </p:nvSpPr>
-        <p:spPr>
-          <a:xfrm>
-            <a:off x="4738679" y="4339599"/>
-            <a:ext cx="1483995" cy="309059"/>
-          </a:xfrm>
-          <a:prstGeom prst="rect">
-            <a:avLst/>
-          </a:prstGeom>
-          <a:noFill/>
-          <a:ln w="0">
-            <a:noFill/>
-            <a:prstDash/>
-          </a:ln>
-        </p:spPr>
-        <p:txBody>
-          <a:bodyPr vert="horz" wrap="square" lIns="89535" tIns="46355" rIns="89535" bIns="46355" anchor="t">
-            <a:spAutoFit/>
-          </a:bodyPr>
-          <a:lstStyle/>
-          <a:p>
-            <a:r>
-              <a:rPr lang="en-US" sz="1400" dirty="0">
-                <a:solidFill>
-                  <a:schemeClr val="accent5">
-                    <a:lumMod val="50000"/>
-                    <a:lumOff val="0"/>
-                  </a:schemeClr>
-                </a:solidFill>
-                <a:latin typeface="맑은 고딕" charset="0"/>
-                <a:ea typeface="맑은 고딕" charset="0"/>
-              </a:rPr>
-              <a:t>(</a:t>
-            </a:r>
-            <a:r>
-              <a:rPr lang="ko-KR" altLang="en-US" sz="1400" dirty="0">
-                <a:solidFill>
-                  <a:schemeClr val="accent5">
-                    <a:lumMod val="50000"/>
-                    <a:lumOff val="0"/>
-                  </a:schemeClr>
-                </a:solidFill>
-                <a:latin typeface="맑은 고딕" charset="0"/>
-                <a:ea typeface="맑은 고딕" charset="0"/>
-              </a:rPr>
-              <a:t>아이디 체크</a:t>
-            </a:r>
-            <a:r>
-              <a:rPr lang="en-US" sz="1400" dirty="0">
-                <a:solidFill>
-                  <a:schemeClr val="accent5">
-                    <a:lumMod val="50000"/>
-                    <a:lumOff val="0"/>
-                  </a:schemeClr>
-                </a:solidFill>
-                <a:latin typeface="맑은 고딕" charset="0"/>
-                <a:ea typeface="맑은 고딕" charset="0"/>
-              </a:rPr>
-              <a:t>)</a:t>
             </a:r>
             <a:endParaRPr lang="ko-KR" altLang="en-US" sz="1400" dirty="0">
               <a:solidFill>
@@ -13182,48 +13159,9 @@
           </a:p>
         </p:txBody>
       </p:sp>
-      <p:cxnSp>
-        <p:nvCxnSpPr>
-          <p:cNvPr id="70" name="Shape 69"/>
-          <p:cNvCxnSpPr>
-            <a:stCxn id="6" idx="3"/>
-            <a:endCxn id="6" idx="0"/>
-          </p:cNvCxnSpPr>
-          <p:nvPr/>
-        </p:nvCxnSpPr>
-        <p:spPr>
-          <a:xfrm flipH="1" flipV="1">
-            <a:off x="6047735" y="1851019"/>
-            <a:ext cx="737552" cy="303848"/>
-          </a:xfrm>
-          <a:prstGeom prst="bentConnector4">
-            <a:avLst>
-              <a:gd name="adj1" fmla="val -30994"/>
-              <a:gd name="adj2" fmla="val 256441"/>
-            </a:avLst>
-          </a:prstGeom>
-          <a:ln>
-            <a:tailEnd type="arrow"/>
-          </a:ln>
-        </p:spPr>
-        <p:style>
-          <a:lnRef idx="1">
-            <a:schemeClr val="dk1"/>
-          </a:lnRef>
-          <a:fillRef idx="0">
-            <a:schemeClr val="dk1"/>
-          </a:fillRef>
-          <a:effectRef idx="0">
-            <a:schemeClr val="dk1"/>
-          </a:effectRef>
-          <a:fontRef idx="minor">
-            <a:schemeClr val="tx1"/>
-          </a:fontRef>
-        </p:style>
-      </p:cxnSp>
-      <p:sp>
-        <p:nvSpPr>
-          <p:cNvPr id="71" name="텍스트 상자 68"/>
+      <p:sp>
+        <p:nvSpPr>
+          <p:cNvPr id="68" name="텍스트 상자 68"/>
           <p:cNvSpPr txBox="1">
             <a:spLocks/>
           </p:cNvSpPr>
@@ -13231,8 +13169,8 @@
         </p:nvSpPr>
         <p:spPr>
           <a:xfrm>
-            <a:off x="6953257" y="1500174"/>
-            <a:ext cx="1483995" cy="308610"/>
+            <a:off x="4738679" y="4339599"/>
+            <a:ext cx="1483995" cy="309059"/>
           </a:xfrm>
           <a:prstGeom prst="rect">
             <a:avLst/>
@@ -13250,7 +13188,7 @@
           <a:lstStyle/>
           <a:p>
             <a:r>
-              <a:rPr sz="1400">
+              <a:rPr lang="en-US" sz="1400" dirty="0">
                 <a:solidFill>
                   <a:schemeClr val="accent5">
                     <a:lumMod val="50000"/>
@@ -13260,7 +13198,7 @@
                 <a:latin typeface="맑은 고딕" charset="0"/>
                 <a:ea typeface="맑은 고딕" charset="0"/>
               </a:rPr>
-              <a:t>[</a:t>
+              <a:t>(</a:t>
             </a:r>
             <a:r>
               <a:rPr lang="ko-KR" altLang="en-US" sz="1400" dirty="0">
@@ -13273,10 +13211,10 @@
                 <a:latin typeface="맑은 고딕" charset="0"/>
                 <a:ea typeface="맑은 고딕" charset="0"/>
               </a:rPr>
-              <a:t>검색</a:t>
-            </a:r>
-            <a:r>
-              <a:rPr sz="1400">
+              <a:t>아이디 체크</a:t>
+            </a:r>
+            <a:r>
+              <a:rPr lang="en-US" sz="1400" dirty="0">
                 <a:solidFill>
                   <a:schemeClr val="accent5">
                     <a:lumMod val="50000"/>
@@ -13286,78 +13224,24 @@
                 <a:latin typeface="맑은 고딕" charset="0"/>
                 <a:ea typeface="맑은 고딕" charset="0"/>
               </a:rPr>
-              <a:t>]</a:t>
-            </a:r>
-            <a:r>
-              <a:rPr lang="en-US" sz="1400" dirty="0">
-                <a:solidFill>
-                  <a:schemeClr val="accent5">
-                    <a:lumMod val="50000"/>
-                    <a:lumOff val="0"/>
-                  </a:schemeClr>
-                </a:solidFill>
-                <a:latin typeface="맑은 고딕" charset="0"/>
-                <a:ea typeface="맑은 고딕" charset="0"/>
-              </a:rPr>
-              <a:t> </a:t>
-            </a:r>
-            <a:r>
-              <a:rPr lang="ko-KR" altLang="en-US" sz="1400" dirty="0">
-                <a:solidFill>
-                  <a:schemeClr val="accent5">
-                    <a:lumMod val="50000"/>
-                    <a:lumOff val="0"/>
-                  </a:schemeClr>
-                </a:solidFill>
-                <a:latin typeface="맑은 고딕" charset="0"/>
-                <a:ea typeface="맑은 고딕" charset="0"/>
-              </a:rPr>
-              <a:t>클릭</a:t>
-            </a:r>
-          </a:p>
-        </p:txBody>
-      </p:sp>
-      <p:cxnSp>
-        <p:nvCxnSpPr>
-          <p:cNvPr id="73" name="꺾인 연결선 72"/>
-          <p:cNvCxnSpPr>
-            <a:stCxn id="5" idx="1"/>
-            <a:endCxn id="6" idx="1"/>
-          </p:cNvCxnSpPr>
-          <p:nvPr/>
-        </p:nvCxnSpPr>
-        <p:spPr>
-          <a:xfrm rot="10800000" flipH="1">
-            <a:off x="5262532" y="2154867"/>
-            <a:ext cx="47650" cy="1523684"/>
-          </a:xfrm>
-          <a:prstGeom prst="bentConnector3">
-            <a:avLst>
-              <a:gd name="adj1" fmla="val -479748"/>
-            </a:avLst>
-          </a:prstGeom>
-          <a:ln>
-            <a:tailEnd type="arrow"/>
-          </a:ln>
-        </p:spPr>
-        <p:style>
-          <a:lnRef idx="1">
-            <a:schemeClr val="dk1"/>
-          </a:lnRef>
-          <a:fillRef idx="0">
-            <a:schemeClr val="dk1"/>
-          </a:fillRef>
-          <a:effectRef idx="0">
-            <a:schemeClr val="dk1"/>
-          </a:effectRef>
-          <a:fontRef idx="minor">
-            <a:schemeClr val="tx1"/>
-          </a:fontRef>
-        </p:style>
-      </p:cxnSp>
-      <p:sp>
-        <p:nvSpPr>
-          <p:cNvPr id="74" name="텍스트 상자 68"/>
+              <a:t>)</a:t>
+            </a:r>
+            <a:endParaRPr lang="ko-KR" altLang="en-US" sz="1400" dirty="0">
+              <a:solidFill>
+                <a:schemeClr val="accent5">
+                  <a:lumMod val="50000"/>
+                  <a:lumOff val="0"/>
+                </a:schemeClr>
+              </a:solidFill>
+              <a:latin typeface="맑은 고딕" charset="0"/>
+              <a:ea typeface="맑은 고딕" charset="0"/>
+            </a:endParaRPr>
+          </a:p>
+        </p:txBody>
+      </p:sp>
+      <p:sp>
+        <p:nvSpPr>
+          <p:cNvPr id="71" name="텍스트 상자 68"/>
           <p:cNvSpPr txBox="1">
             <a:spLocks/>
           </p:cNvSpPr>
@@ -13365,7 +13249,7 @@
         </p:nvSpPr>
         <p:spPr>
           <a:xfrm>
-            <a:off x="4095737" y="3048952"/>
+            <a:off x="6953257" y="1500174"/>
             <a:ext cx="1483995" cy="308610"/>
           </a:xfrm>
           <a:prstGeom prst="rect">
@@ -13384,7 +13268,7 @@
           <a:lstStyle/>
           <a:p>
             <a:r>
-              <a:rPr sz="1400">
+              <a:rPr sz="1400" dirty="0">
                 <a:solidFill>
                   <a:schemeClr val="accent5">
                     <a:lumMod val="50000"/>
@@ -13407,10 +13291,10 @@
                 <a:latin typeface="맑은 고딕" charset="0"/>
                 <a:ea typeface="맑은 고딕" charset="0"/>
               </a:rPr>
-              <a:t>삭제</a:t>
-            </a:r>
-            <a:r>
-              <a:rPr sz="1400">
+              <a:t>검색</a:t>
+            </a:r>
+            <a:r>
+              <a:rPr sz="1400" dirty="0">
                 <a:solidFill>
                   <a:schemeClr val="accent5">
                     <a:lumMod val="50000"/>
@@ -13423,7 +13307,7 @@
               <a:t>]</a:t>
             </a:r>
             <a:r>
-              <a:rPr lang="ko-KR" altLang="en-US" sz="1400" dirty="0">
+              <a:rPr lang="en-US" sz="1400" dirty="0">
                 <a:solidFill>
                   <a:schemeClr val="accent5">
                     <a:lumMod val="50000"/>
@@ -13433,8 +13317,98 @@
                 <a:latin typeface="맑은 고딕" charset="0"/>
                 <a:ea typeface="맑은 고딕" charset="0"/>
               </a:rPr>
-              <a:t>클릭</a:t>
-            </a:r>
+              <a:t> </a:t>
+            </a:r>
+            <a:endParaRPr lang="ko-KR" altLang="en-US" sz="1400" dirty="0">
+              <a:solidFill>
+                <a:schemeClr val="accent5">
+                  <a:lumMod val="50000"/>
+                  <a:lumOff val="0"/>
+                </a:schemeClr>
+              </a:solidFill>
+              <a:latin typeface="맑은 고딕" charset="0"/>
+              <a:ea typeface="맑은 고딕" charset="0"/>
+            </a:endParaRPr>
+          </a:p>
+        </p:txBody>
+      </p:sp>
+      <p:sp>
+        <p:nvSpPr>
+          <p:cNvPr id="74" name="텍스트 상자 68"/>
+          <p:cNvSpPr txBox="1">
+            <a:spLocks/>
+          </p:cNvSpPr>
+          <p:nvPr/>
+        </p:nvSpPr>
+        <p:spPr>
+          <a:xfrm>
+            <a:off x="4095737" y="3048952"/>
+            <a:ext cx="1483995" cy="308610"/>
+          </a:xfrm>
+          <a:prstGeom prst="rect">
+            <a:avLst/>
+          </a:prstGeom>
+          <a:noFill/>
+          <a:ln w="0">
+            <a:noFill/>
+            <a:prstDash/>
+          </a:ln>
+        </p:spPr>
+        <p:txBody>
+          <a:bodyPr vert="horz" wrap="square" lIns="89535" tIns="46355" rIns="89535" bIns="46355" anchor="t">
+            <a:spAutoFit/>
+          </a:bodyPr>
+          <a:lstStyle/>
+          <a:p>
+            <a:r>
+              <a:rPr sz="1400" dirty="0">
+                <a:solidFill>
+                  <a:schemeClr val="accent5">
+                    <a:lumMod val="50000"/>
+                    <a:lumOff val="0"/>
+                  </a:schemeClr>
+                </a:solidFill>
+                <a:latin typeface="맑은 고딕" charset="0"/>
+                <a:ea typeface="맑은 고딕" charset="0"/>
+              </a:rPr>
+              <a:t>[</a:t>
+            </a:r>
+            <a:r>
+              <a:rPr lang="ko-KR" altLang="en-US" sz="1400" dirty="0">
+                <a:solidFill>
+                  <a:schemeClr val="accent5">
+                    <a:lumMod val="50000"/>
+                    <a:lumOff val="0"/>
+                  </a:schemeClr>
+                </a:solidFill>
+                <a:latin typeface="맑은 고딕" charset="0"/>
+                <a:ea typeface="맑은 고딕" charset="0"/>
+              </a:rPr>
+              <a:t>삭제</a:t>
+            </a:r>
+            <a:r>
+              <a:rPr sz="1400" dirty="0">
+                <a:solidFill>
+                  <a:schemeClr val="accent5">
+                    <a:lumMod val="50000"/>
+                    <a:lumOff val="0"/>
+                  </a:schemeClr>
+                </a:solidFill>
+                <a:latin typeface="맑은 고딕" charset="0"/>
+                <a:ea typeface="맑은 고딕" charset="0"/>
+              </a:rPr>
+              <a:t>]</a:t>
+            </a:r>
+            <a:endParaRPr lang="ko-KR" altLang="en-US" sz="1400" dirty="0">
+              <a:solidFill>
+                <a:schemeClr val="accent5">
+                  <a:lumMod val="50000"/>
+                  <a:lumOff val="0"/>
+                </a:schemeClr>
+              </a:solidFill>
+              <a:latin typeface="맑은 고딕" charset="0"/>
+              <a:ea typeface="맑은 고딕" charset="0"/>
+            </a:endParaRPr>
           </a:p>
         </p:txBody>
       </p:sp>
@@ -13505,6 +13479,191 @@
           </a:p>
         </p:txBody>
       </p:sp>
+      <p:cxnSp>
+        <p:nvCxnSpPr>
+          <p:cNvPr id="8" name="연결선: 꺾임 7">
+            <a:extLst>
+              <a:ext uri="{FF2B5EF4-FFF2-40B4-BE49-F238E27FC236}">
+                <a16:creationId xmlns:a16="http://schemas.microsoft.com/office/drawing/2014/main" id="{B5065950-D6D5-45E9-AFF9-B5E06E924145}"/>
+              </a:ext>
+            </a:extLst>
+          </p:cNvPr>
+          <p:cNvCxnSpPr>
+            <a:stCxn id="6" idx="3"/>
+            <a:endCxn id="6" idx="0"/>
+          </p:cNvCxnSpPr>
+          <p:nvPr/>
+        </p:nvCxnSpPr>
+        <p:spPr>
+          <a:xfrm flipH="1" flipV="1">
+            <a:off x="6047736" y="1851020"/>
+            <a:ext cx="737552" cy="303848"/>
+          </a:xfrm>
+          <a:prstGeom prst="bentConnector4">
+            <a:avLst>
+              <a:gd name="adj1" fmla="val -30994"/>
+              <a:gd name="adj2" fmla="val 258063"/>
+            </a:avLst>
+          </a:prstGeom>
+          <a:ln>
+            <a:tailEnd type="triangle"/>
+          </a:ln>
+        </p:spPr>
+        <p:style>
+          <a:lnRef idx="1">
+            <a:schemeClr val="dk1"/>
+          </a:lnRef>
+          <a:fillRef idx="0">
+            <a:schemeClr val="dk1"/>
+          </a:fillRef>
+          <a:effectRef idx="0">
+            <a:schemeClr val="dk1"/>
+          </a:effectRef>
+          <a:fontRef idx="minor">
+            <a:schemeClr val="tx1"/>
+          </a:fontRef>
+        </p:style>
+      </p:cxnSp>
+      <p:cxnSp>
+        <p:nvCxnSpPr>
+          <p:cNvPr id="16" name="연결선: 꺾임 15">
+            <a:extLst>
+              <a:ext uri="{FF2B5EF4-FFF2-40B4-BE49-F238E27FC236}">
+                <a16:creationId xmlns:a16="http://schemas.microsoft.com/office/drawing/2014/main" id="{44EA44C1-FF09-4562-AF64-307D5715C456}"/>
+              </a:ext>
+            </a:extLst>
+          </p:cNvPr>
+          <p:cNvCxnSpPr>
+            <a:endCxn id="6" idx="1"/>
+          </p:cNvCxnSpPr>
+          <p:nvPr/>
+        </p:nvCxnSpPr>
+        <p:spPr>
+          <a:xfrm flipV="1">
+            <a:off x="2181138" y="2154868"/>
+            <a:ext cx="3129045" cy="1124912"/>
+          </a:xfrm>
+          <a:prstGeom prst="bentConnector3">
+            <a:avLst>
+              <a:gd name="adj1" fmla="val -2012"/>
+            </a:avLst>
+          </a:prstGeom>
+          <a:ln>
+            <a:solidFill>
+              <a:schemeClr val="tx1"/>
+            </a:solidFill>
+            <a:tailEnd type="triangle"/>
+          </a:ln>
+        </p:spPr>
+        <p:style>
+          <a:lnRef idx="1">
+            <a:schemeClr val="accent1"/>
+          </a:lnRef>
+          <a:fillRef idx="0">
+            <a:schemeClr val="accent1"/>
+          </a:fillRef>
+          <a:effectRef idx="0">
+            <a:schemeClr val="accent1"/>
+          </a:effectRef>
+          <a:fontRef idx="minor">
+            <a:schemeClr val="tx1"/>
+          </a:fontRef>
+        </p:style>
+      </p:cxnSp>
+      <p:cxnSp>
+        <p:nvCxnSpPr>
+          <p:cNvPr id="24" name="연결선: 꺾임 23">
+            <a:extLst>
+              <a:ext uri="{FF2B5EF4-FFF2-40B4-BE49-F238E27FC236}">
+                <a16:creationId xmlns:a16="http://schemas.microsoft.com/office/drawing/2014/main" id="{FF44B343-5CD7-4659-83DC-C1A5984651D1}"/>
+              </a:ext>
+            </a:extLst>
+          </p:cNvPr>
+          <p:cNvCxnSpPr>
+            <a:stCxn id="5" idx="1"/>
+            <a:endCxn id="6" idx="1"/>
+          </p:cNvCxnSpPr>
+          <p:nvPr/>
+        </p:nvCxnSpPr>
+        <p:spPr>
+          <a:xfrm rot="10800000" flipH="1">
+            <a:off x="5262531" y="2154868"/>
+            <a:ext cx="47651" cy="1523684"/>
+          </a:xfrm>
+          <a:prstGeom prst="bentConnector3">
+            <a:avLst>
+              <a:gd name="adj1" fmla="val -479738"/>
+            </a:avLst>
+          </a:prstGeom>
+          <a:ln>
+            <a:solidFill>
+              <a:schemeClr val="tx1"/>
+            </a:solidFill>
+            <a:tailEnd type="triangle"/>
+          </a:ln>
+        </p:spPr>
+        <p:style>
+          <a:lnRef idx="1">
+            <a:schemeClr val="accent1"/>
+          </a:lnRef>
+          <a:fillRef idx="0">
+            <a:schemeClr val="accent1"/>
+          </a:fillRef>
+          <a:effectRef idx="0">
+            <a:schemeClr val="accent1"/>
+          </a:effectRef>
+          <a:fontRef idx="minor">
+            <a:schemeClr val="tx1"/>
+          </a:fontRef>
+        </p:style>
+      </p:cxnSp>
+      <p:cxnSp>
+        <p:nvCxnSpPr>
+          <p:cNvPr id="26" name="연결선: 꺾임 25">
+            <a:extLst>
+              <a:ext uri="{FF2B5EF4-FFF2-40B4-BE49-F238E27FC236}">
+                <a16:creationId xmlns:a16="http://schemas.microsoft.com/office/drawing/2014/main" id="{90470FB4-98B7-4C40-B7E5-2D51C9EECA7C}"/>
+              </a:ext>
+            </a:extLst>
+          </p:cNvPr>
+          <p:cNvCxnSpPr>
+            <a:stCxn id="45" idx="3"/>
+            <a:endCxn id="6" idx="3"/>
+          </p:cNvCxnSpPr>
+          <p:nvPr/>
+        </p:nvCxnSpPr>
+        <p:spPr>
+          <a:xfrm flipH="1" flipV="1">
+            <a:off x="6785288" y="2154868"/>
+            <a:ext cx="25092" cy="2989280"/>
+          </a:xfrm>
+          <a:prstGeom prst="bentConnector3">
+            <a:avLst>
+              <a:gd name="adj1" fmla="val -810748"/>
+            </a:avLst>
+          </a:prstGeom>
+          <a:ln>
+            <a:solidFill>
+              <a:schemeClr val="tx1"/>
+            </a:solidFill>
+            <a:tailEnd type="triangle"/>
+          </a:ln>
+        </p:spPr>
+        <p:style>
+          <a:lnRef idx="1">
+            <a:schemeClr val="accent1"/>
+          </a:lnRef>
+          <a:fillRef idx="0">
+            <a:schemeClr val="accent1"/>
+          </a:fillRef>
+          <a:effectRef idx="0">
+            <a:schemeClr val="accent1"/>
+          </a:effectRef>
+          <a:fontRef idx="minor">
+            <a:schemeClr val="tx1"/>
+          </a:fontRef>
+        </p:style>
+      </p:cxnSp>
     </p:spTree>
   </p:cSld>
   <p:clrMapOvr>
